--- a/Soutenance de SAE.pptx
+++ b/Soutenance de SAE.pptx
@@ -2,19 +2,20 @@
 <file path=ppt/presentation.xml><?xml version="1.0" encoding="utf-8"?>
 <p:presentation xmlns:a="http://schemas.openxmlformats.org/drawingml/2006/main" xmlns:r="http://schemas.openxmlformats.org/officeDocument/2006/relationships" xmlns:p="http://schemas.openxmlformats.org/presentationml/2006/main" saveSubsetFonts="1">
   <p:sldMasterIdLst>
-    <p:sldMasterId id="2147483648" r:id="rId1"/>
+    <p:sldMasterId id="2147483660" r:id="rId1"/>
   </p:sldMasterIdLst>
   <p:sldIdLst>
     <p:sldId id="256" r:id="rId2"/>
-    <p:sldId id="257" r:id="rId3"/>
+    <p:sldId id="258" r:id="rId3"/>
+    <p:sldId id="257" r:id="rId4"/>
   </p:sldIdLst>
   <p:sldSz cx="12192000" cy="6858000"/>
   <p:notesSz cx="6858000" cy="9144000"/>
   <p:defaultTextStyle>
     <a:defPPr>
-      <a:defRPr lang="fr-FR"/>
+      <a:defRPr lang="en-US"/>
     </a:defPPr>
-    <a:lvl1pPr marL="0" algn="l" defTabSz="914400" rtl="0" eaLnBrk="1" latinLnBrk="0" hangingPunct="1">
+    <a:lvl1pPr marL="0" algn="l" defTabSz="457200" rtl="0" eaLnBrk="1" latinLnBrk="0" hangingPunct="1">
       <a:defRPr sz="1800" kern="1200">
         <a:solidFill>
           <a:schemeClr val="tx1"/>
@@ -24,7 +25,7 @@
         <a:cs typeface="+mn-cs"/>
       </a:defRPr>
     </a:lvl1pPr>
-    <a:lvl2pPr marL="457200" algn="l" defTabSz="914400" rtl="0" eaLnBrk="1" latinLnBrk="0" hangingPunct="1">
+    <a:lvl2pPr marL="457200" algn="l" defTabSz="457200" rtl="0" eaLnBrk="1" latinLnBrk="0" hangingPunct="1">
       <a:defRPr sz="1800" kern="1200">
         <a:solidFill>
           <a:schemeClr val="tx1"/>
@@ -34,7 +35,7 @@
         <a:cs typeface="+mn-cs"/>
       </a:defRPr>
     </a:lvl2pPr>
-    <a:lvl3pPr marL="914400" algn="l" defTabSz="914400" rtl="0" eaLnBrk="1" latinLnBrk="0" hangingPunct="1">
+    <a:lvl3pPr marL="914400" algn="l" defTabSz="457200" rtl="0" eaLnBrk="1" latinLnBrk="0" hangingPunct="1">
       <a:defRPr sz="1800" kern="1200">
         <a:solidFill>
           <a:schemeClr val="tx1"/>
@@ -44,7 +45,7 @@
         <a:cs typeface="+mn-cs"/>
       </a:defRPr>
     </a:lvl3pPr>
-    <a:lvl4pPr marL="1371600" algn="l" defTabSz="914400" rtl="0" eaLnBrk="1" latinLnBrk="0" hangingPunct="1">
+    <a:lvl4pPr marL="1371600" algn="l" defTabSz="457200" rtl="0" eaLnBrk="1" latinLnBrk="0" hangingPunct="1">
       <a:defRPr sz="1800" kern="1200">
         <a:solidFill>
           <a:schemeClr val="tx1"/>
@@ -54,7 +55,7 @@
         <a:cs typeface="+mn-cs"/>
       </a:defRPr>
     </a:lvl4pPr>
-    <a:lvl5pPr marL="1828800" algn="l" defTabSz="914400" rtl="0" eaLnBrk="1" latinLnBrk="0" hangingPunct="1">
+    <a:lvl5pPr marL="1828800" algn="l" defTabSz="457200" rtl="0" eaLnBrk="1" latinLnBrk="0" hangingPunct="1">
       <a:defRPr sz="1800" kern="1200">
         <a:solidFill>
           <a:schemeClr val="tx1"/>
@@ -64,7 +65,7 @@
         <a:cs typeface="+mn-cs"/>
       </a:defRPr>
     </a:lvl5pPr>
-    <a:lvl6pPr marL="2286000" algn="l" defTabSz="914400" rtl="0" eaLnBrk="1" latinLnBrk="0" hangingPunct="1">
+    <a:lvl6pPr marL="2286000" algn="l" defTabSz="457200" rtl="0" eaLnBrk="1" latinLnBrk="0" hangingPunct="1">
       <a:defRPr sz="1800" kern="1200">
         <a:solidFill>
           <a:schemeClr val="tx1"/>
@@ -74,7 +75,7 @@
         <a:cs typeface="+mn-cs"/>
       </a:defRPr>
     </a:lvl6pPr>
-    <a:lvl7pPr marL="2743200" algn="l" defTabSz="914400" rtl="0" eaLnBrk="1" latinLnBrk="0" hangingPunct="1">
+    <a:lvl7pPr marL="2743200" algn="l" defTabSz="457200" rtl="0" eaLnBrk="1" latinLnBrk="0" hangingPunct="1">
       <a:defRPr sz="1800" kern="1200">
         <a:solidFill>
           <a:schemeClr val="tx1"/>
@@ -84,7 +85,7 @@
         <a:cs typeface="+mn-cs"/>
       </a:defRPr>
     </a:lvl7pPr>
-    <a:lvl8pPr marL="3200400" algn="l" defTabSz="914400" rtl="0" eaLnBrk="1" latinLnBrk="0" hangingPunct="1">
+    <a:lvl8pPr marL="3200400" algn="l" defTabSz="457200" rtl="0" eaLnBrk="1" latinLnBrk="0" hangingPunct="1">
       <a:defRPr sz="1800" kern="1200">
         <a:solidFill>
           <a:schemeClr val="tx1"/>
@@ -94,7 +95,7 @@
         <a:cs typeface="+mn-cs"/>
       </a:defRPr>
     </a:lvl8pPr>
-    <a:lvl9pPr marL="3657600" algn="l" defTabSz="914400" rtl="0" eaLnBrk="1" latinLnBrk="0" hangingPunct="1">
+    <a:lvl9pPr marL="3657600" algn="l" defTabSz="457200" rtl="0" eaLnBrk="1" latinLnBrk="0" hangingPunct="1">
       <a:defRPr sz="1800" kern="1200">
         <a:solidFill>
           <a:schemeClr val="tx1"/>
@@ -109,8 +110,16 @@
 </file>
 
 <file path=ppt/slideLayouts/slideLayout1.xml><?xml version="1.0" encoding="utf-8"?>
-<p:sldLayout xmlns:a="http://schemas.openxmlformats.org/drawingml/2006/main" xmlns:r="http://schemas.openxmlformats.org/officeDocument/2006/relationships" xmlns:p="http://schemas.openxmlformats.org/presentationml/2006/main" type="title" preserve="1">
+<p:sldLayout xmlns:a="http://schemas.openxmlformats.org/drawingml/2006/main" xmlns:r="http://schemas.openxmlformats.org/officeDocument/2006/relationships" xmlns:p="http://schemas.openxmlformats.org/presentationml/2006/main" showMasterSp="0" type="title" preserve="1">
   <p:cSld name="Diapositive de titre">
+    <p:bg>
+      <p:bgPr>
+        <a:solidFill>
+          <a:schemeClr val="bg2"/>
+        </a:solidFill>
+        <a:effectLst/>
+      </p:bgPr>
+    </p:bg>
     <p:spTree>
       <p:nvGrpSpPr>
         <p:cNvPr id="1" name=""/>
@@ -127,13 +136,7 @@
       </p:grpSpPr>
       <p:sp>
         <p:nvSpPr>
-          <p:cNvPr id="2" name="Titre 1">
-            <a:extLst>
-              <a:ext uri="{FF2B5EF4-FFF2-40B4-BE49-F238E27FC236}">
-                <a16:creationId xmlns:a16="http://schemas.microsoft.com/office/drawing/2014/main" id="{6974C3E8-490E-00A3-E68C-9E5AD4B20DC5}"/>
-              </a:ext>
-            </a:extLst>
-          </p:cNvPr>
+          <p:cNvPr id="2" name="Title 1"/>
           <p:cNvSpPr>
             <a:spLocks noGrp="1"/>
           </p:cNvSpPr>
@@ -143,15 +146,21 @@
         </p:nvSpPr>
         <p:spPr>
           <a:xfrm>
-            <a:off x="1524000" y="1122363"/>
-            <a:ext cx="9144000" cy="2387600"/>
-          </a:xfrm>
-        </p:spPr>
-        <p:txBody>
-          <a:bodyPr anchor="b"/>
+            <a:off x="1915128" y="1788454"/>
+            <a:ext cx="8361229" cy="2098226"/>
+          </a:xfrm>
+        </p:spPr>
+        <p:txBody>
+          <a:bodyPr anchor="b">
+            <a:noAutofit/>
+          </a:bodyPr>
           <a:lstStyle>
             <a:lvl1pPr algn="ctr">
-              <a:defRPr sz="6000"/>
+              <a:defRPr sz="7200" cap="all" baseline="0">
+                <a:solidFill>
+                  <a:schemeClr val="tx2"/>
+                </a:solidFill>
+              </a:defRPr>
             </a:lvl1pPr>
           </a:lstStyle>
           <a:p>
@@ -159,18 +168,13 @@
               <a:rPr lang="fr-FR"/>
               <a:t>Modifiez le style du titre</a:t>
             </a:r>
-          </a:p>
-        </p:txBody>
-      </p:sp>
-      <p:sp>
-        <p:nvSpPr>
-          <p:cNvPr id="3" name="Sous-titre 2">
-            <a:extLst>
-              <a:ext uri="{FF2B5EF4-FFF2-40B4-BE49-F238E27FC236}">
-                <a16:creationId xmlns:a16="http://schemas.microsoft.com/office/drawing/2014/main" id="{0242B9EC-B9B2-7499-B2CE-350E9E805598}"/>
-              </a:ext>
-            </a:extLst>
-          </p:cNvPr>
+            <a:endParaRPr lang="en-US" dirty="0"/>
+          </a:p>
+        </p:txBody>
+      </p:sp>
+      <p:sp>
+        <p:nvSpPr>
+          <p:cNvPr id="3" name="Subtitle 2"/>
           <p:cNvSpPr>
             <a:spLocks noGrp="1"/>
           </p:cNvSpPr>
@@ -180,16 +184,27 @@
         </p:nvSpPr>
         <p:spPr>
           <a:xfrm>
-            <a:off x="1524000" y="3602038"/>
-            <a:ext cx="9144000" cy="1655762"/>
-          </a:xfrm>
-        </p:spPr>
-        <p:txBody>
-          <a:bodyPr/>
+            <a:off x="2679906" y="3956279"/>
+            <a:ext cx="6831673" cy="1086237"/>
+          </a:xfrm>
+        </p:spPr>
+        <p:txBody>
+          <a:bodyPr>
+            <a:normAutofit/>
+          </a:bodyPr>
           <a:lstStyle>
             <a:lvl1pPr marL="0" indent="0" algn="ctr">
-              <a:buNone/>
-              <a:defRPr sz="2400"/>
+              <a:lnSpc>
+                <a:spcPct val="112000"/>
+              </a:lnSpc>
+              <a:spcBef>
+                <a:spcPts val="0"/>
+              </a:spcBef>
+              <a:spcAft>
+                <a:spcPts val="0"/>
+              </a:spcAft>
+              <a:buNone/>
+              <a:defRPr sz="2300"/>
             </a:lvl1pPr>
             <a:lvl2pPr marL="457200" indent="0" algn="ctr">
               <a:buNone/>
@@ -229,18 +244,13 @@
               <a:rPr lang="fr-FR"/>
               <a:t>Modifiez le style des sous-titres du masque</a:t>
             </a:r>
-          </a:p>
-        </p:txBody>
-      </p:sp>
-      <p:sp>
-        <p:nvSpPr>
-          <p:cNvPr id="4" name="Espace réservé de la date 3">
-            <a:extLst>
-              <a:ext uri="{FF2B5EF4-FFF2-40B4-BE49-F238E27FC236}">
-                <a16:creationId xmlns:a16="http://schemas.microsoft.com/office/drawing/2014/main" id="{AA59E8D5-0DF4-B73D-1C71-430D0D7BE0AB}"/>
-              </a:ext>
-            </a:extLst>
-          </p:cNvPr>
+            <a:endParaRPr lang="en-US" dirty="0"/>
+          </a:p>
+        </p:txBody>
+      </p:sp>
+      <p:sp>
+        <p:nvSpPr>
+          <p:cNvPr id="4" name="Date Placeholder 3"/>
           <p:cNvSpPr>
             <a:spLocks noGrp="1"/>
           </p:cNvSpPr>
@@ -248,10 +258,23 @@
             <p:ph type="dt" sz="half" idx="10"/>
           </p:nvPr>
         </p:nvSpPr>
-        <p:spPr/>
-        <p:txBody>
-          <a:bodyPr/>
-          <a:lstStyle/>
+        <p:spPr>
+          <a:xfrm>
+            <a:off x="752858" y="6453386"/>
+            <a:ext cx="1607944" cy="404614"/>
+          </a:xfrm>
+        </p:spPr>
+        <p:txBody>
+          <a:bodyPr/>
+          <a:lstStyle>
+            <a:lvl1pPr>
+              <a:defRPr baseline="0">
+                <a:solidFill>
+                  <a:schemeClr val="tx2"/>
+                </a:solidFill>
+              </a:defRPr>
+            </a:lvl1pPr>
+          </a:lstStyle>
           <a:p>
             <a:fld id="{981B849D-0B7F-4C5F-8605-4847C32E2ACB}" type="datetimeFigureOut">
               <a:rPr lang="fr-FR" smtClean="0"/>
@@ -263,13 +286,7 @@
       </p:sp>
       <p:sp>
         <p:nvSpPr>
-          <p:cNvPr id="5" name="Espace réservé du pied de page 4">
-            <a:extLst>
-              <a:ext uri="{FF2B5EF4-FFF2-40B4-BE49-F238E27FC236}">
-                <a16:creationId xmlns:a16="http://schemas.microsoft.com/office/drawing/2014/main" id="{508DCDE4-4D11-4975-156E-3356FD70E48D}"/>
-              </a:ext>
-            </a:extLst>
-          </p:cNvPr>
+          <p:cNvPr id="5" name="Footer Placeholder 4"/>
           <p:cNvSpPr>
             <a:spLocks noGrp="1"/>
           </p:cNvSpPr>
@@ -277,10 +294,23 @@
             <p:ph type="ftr" sz="quarter" idx="11"/>
           </p:nvPr>
         </p:nvSpPr>
-        <p:spPr/>
-        <p:txBody>
-          <a:bodyPr/>
-          <a:lstStyle/>
+        <p:spPr>
+          <a:xfrm>
+            <a:off x="2584054" y="6453386"/>
+            <a:ext cx="7023377" cy="404614"/>
+          </a:xfrm>
+        </p:spPr>
+        <p:txBody>
+          <a:bodyPr/>
+          <a:lstStyle>
+            <a:lvl1pPr algn="ctr">
+              <a:defRPr baseline="0">
+                <a:solidFill>
+                  <a:schemeClr val="tx2"/>
+                </a:solidFill>
+              </a:defRPr>
+            </a:lvl1pPr>
+          </a:lstStyle>
           <a:p>
             <a:endParaRPr lang="fr-FR"/>
           </a:p>
@@ -288,13 +318,7 @@
       </p:sp>
       <p:sp>
         <p:nvSpPr>
-          <p:cNvPr id="6" name="Espace réservé du numéro de diapositive 5">
-            <a:extLst>
-              <a:ext uri="{FF2B5EF4-FFF2-40B4-BE49-F238E27FC236}">
-                <a16:creationId xmlns:a16="http://schemas.microsoft.com/office/drawing/2014/main" id="{3C142EED-6AEC-5A6B-0B6B-0D58892824E8}"/>
-              </a:ext>
-            </a:extLst>
-          </p:cNvPr>
+          <p:cNvPr id="6" name="Slide Number Placeholder 5"/>
           <p:cNvSpPr>
             <a:spLocks noGrp="1"/>
           </p:cNvSpPr>
@@ -302,10 +326,23 @@
             <p:ph type="sldNum" sz="quarter" idx="12"/>
           </p:nvPr>
         </p:nvSpPr>
-        <p:spPr/>
-        <p:txBody>
-          <a:bodyPr/>
-          <a:lstStyle/>
+        <p:spPr>
+          <a:xfrm>
+            <a:off x="9830683" y="6453386"/>
+            <a:ext cx="1596292" cy="404614"/>
+          </a:xfrm>
+        </p:spPr>
+        <p:txBody>
+          <a:bodyPr/>
+          <a:lstStyle>
+            <a:lvl1pPr>
+              <a:defRPr baseline="0">
+                <a:solidFill>
+                  <a:schemeClr val="tx2"/>
+                </a:solidFill>
+              </a:defRPr>
+            </a:lvl1pPr>
+          </a:lstStyle>
           <a:p>
             <a:fld id="{AD2A5D94-8A30-4D66-A5EA-6DC300F4D27E}" type="slidenum">
               <a:rPr lang="fr-FR" smtClean="0"/>
@@ -315,15 +352,144 @@
           </a:p>
         </p:txBody>
       </p:sp>
+      <p:grpSp>
+        <p:nvGrpSpPr>
+          <p:cNvPr id="7" name="Group 6"/>
+          <p:cNvGrpSpPr/>
+          <p:nvPr/>
+        </p:nvGrpSpPr>
+        <p:grpSpPr>
+          <a:xfrm>
+            <a:off x="752858" y="744469"/>
+            <a:ext cx="10674117" cy="5349671"/>
+            <a:chOff x="752858" y="744469"/>
+            <a:chExt cx="10674117" cy="5349671"/>
+          </a:xfrm>
+        </p:grpSpPr>
+        <p:sp>
+          <p:nvSpPr>
+            <p:cNvPr id="11" name="Freeform 6"/>
+            <p:cNvSpPr/>
+            <p:nvPr/>
+          </p:nvSpPr>
+          <p:spPr bwMode="auto">
+            <a:xfrm>
+              <a:off x="8151962" y="1685652"/>
+              <a:ext cx="3275013" cy="4408488"/>
+            </a:xfrm>
+            <a:custGeom>
+              <a:avLst/>
+              <a:gdLst/>
+              <a:ahLst/>
+              <a:cxnLst/>
+              <a:rect l="l" t="t" r="r" b="b"/>
+              <a:pathLst>
+                <a:path w="10000" h="10000">
+                  <a:moveTo>
+                    <a:pt x="8761" y="0"/>
+                  </a:moveTo>
+                  <a:lnTo>
+                    <a:pt x="10000" y="0"/>
+                  </a:lnTo>
+                  <a:lnTo>
+                    <a:pt x="10000" y="10000"/>
+                  </a:lnTo>
+                  <a:lnTo>
+                    <a:pt x="0" y="10000"/>
+                  </a:lnTo>
+                  <a:lnTo>
+                    <a:pt x="0" y="9126"/>
+                  </a:lnTo>
+                  <a:lnTo>
+                    <a:pt x="8761" y="9127"/>
+                  </a:lnTo>
+                  <a:lnTo>
+                    <a:pt x="8761" y="0"/>
+                  </a:lnTo>
+                  <a:close/>
+                </a:path>
+              </a:pathLst>
+            </a:custGeom>
+            <a:solidFill>
+              <a:schemeClr val="tx2"/>
+            </a:solidFill>
+            <a:ln w="0">
+              <a:noFill/>
+              <a:prstDash val="solid"/>
+              <a:round/>
+              <a:headEnd/>
+              <a:tailEnd/>
+            </a:ln>
+          </p:spPr>
+        </p:sp>
+        <p:sp>
+          <p:nvSpPr>
+            <p:cNvPr id="14" name="Freeform 6"/>
+            <p:cNvSpPr/>
+            <p:nvPr/>
+          </p:nvSpPr>
+          <p:spPr bwMode="auto">
+            <a:xfrm flipH="1" flipV="1">
+              <a:off x="752858" y="744469"/>
+              <a:ext cx="3275668" cy="4408488"/>
+            </a:xfrm>
+            <a:custGeom>
+              <a:avLst/>
+              <a:gdLst/>
+              <a:ahLst/>
+              <a:cxnLst/>
+              <a:rect l="l" t="t" r="r" b="b"/>
+              <a:pathLst>
+                <a:path w="10002" h="10000">
+                  <a:moveTo>
+                    <a:pt x="8763" y="0"/>
+                  </a:moveTo>
+                  <a:lnTo>
+                    <a:pt x="10002" y="0"/>
+                  </a:lnTo>
+                  <a:lnTo>
+                    <a:pt x="10002" y="10000"/>
+                  </a:lnTo>
+                  <a:lnTo>
+                    <a:pt x="2" y="10000"/>
+                  </a:lnTo>
+                  <a:cubicBezTo>
+                    <a:pt x="-2" y="9698"/>
+                    <a:pt x="4" y="9427"/>
+                    <a:pt x="0" y="9125"/>
+                  </a:cubicBezTo>
+                  <a:lnTo>
+                    <a:pt x="8763" y="9128"/>
+                  </a:lnTo>
+                  <a:lnTo>
+                    <a:pt x="8763" y="0"/>
+                  </a:lnTo>
+                  <a:close/>
+                </a:path>
+              </a:pathLst>
+            </a:custGeom>
+            <a:solidFill>
+              <a:schemeClr val="tx2"/>
+            </a:solidFill>
+            <a:ln w="0">
+              <a:noFill/>
+              <a:prstDash val="solid"/>
+              <a:round/>
+              <a:headEnd/>
+              <a:tailEnd/>
+            </a:ln>
+          </p:spPr>
+        </p:sp>
+      </p:grpSp>
     </p:spTree>
     <p:extLst>
       <p:ext uri="{BB962C8B-B14F-4D97-AF65-F5344CB8AC3E}">
-        <p14:creationId xmlns:p14="http://schemas.microsoft.com/office/powerpoint/2010/main" val="62706590"/>
+        <p14:creationId xmlns:p14="http://schemas.microsoft.com/office/powerpoint/2010/main" val="2202289090"/>
       </p:ext>
     </p:extLst>
   </p:cSld>
   <p:clrMapOvr>
-    <a:masterClrMapping/>
+    <a:overrideClrMapping bg1="lt1" tx1="dk1" bg2="lt2" tx2="dk2" accent1="accent1" accent2="accent2" accent3="accent3" accent4="accent4" accent5="accent5" accent6="accent6" hlink="hlink" folHlink="folHlink"/>
   </p:clrMapOvr>
 </p:sldLayout>
 </file>
@@ -347,13 +513,7 @@
       </p:grpSpPr>
       <p:sp>
         <p:nvSpPr>
-          <p:cNvPr id="2" name="Titre 1">
-            <a:extLst>
-              <a:ext uri="{FF2B5EF4-FFF2-40B4-BE49-F238E27FC236}">
-                <a16:creationId xmlns:a16="http://schemas.microsoft.com/office/drawing/2014/main" id="{C4307B37-39A4-C1CD-FB9A-380B77A20DF4}"/>
-              </a:ext>
-            </a:extLst>
-          </p:cNvPr>
+          <p:cNvPr id="2" name="Title 1"/>
           <p:cNvSpPr>
             <a:spLocks noGrp="1"/>
           </p:cNvSpPr>
@@ -370,18 +530,13 @@
               <a:rPr lang="fr-FR"/>
               <a:t>Modifiez le style du titre</a:t>
             </a:r>
-          </a:p>
-        </p:txBody>
-      </p:sp>
-      <p:sp>
-        <p:nvSpPr>
-          <p:cNvPr id="3" name="Espace réservé du texte vertical 2">
-            <a:extLst>
-              <a:ext uri="{FF2B5EF4-FFF2-40B4-BE49-F238E27FC236}">
-                <a16:creationId xmlns:a16="http://schemas.microsoft.com/office/drawing/2014/main" id="{532F6B07-7293-13CF-2576-0A622BD5A057}"/>
-              </a:ext>
-            </a:extLst>
-          </p:cNvPr>
+            <a:endParaRPr lang="en-US" dirty="0"/>
+          </a:p>
+        </p:txBody>
+      </p:sp>
+      <p:sp>
+        <p:nvSpPr>
+          <p:cNvPr id="3" name="Vertical Text Placeholder 2"/>
           <p:cNvSpPr>
             <a:spLocks noGrp="1"/>
           </p:cNvSpPr>
@@ -389,7 +544,12 @@
             <p:ph type="body" orient="vert" idx="1"/>
           </p:nvPr>
         </p:nvSpPr>
-        <p:spPr/>
+        <p:spPr>
+          <a:xfrm>
+            <a:off x="1371600" y="2295525"/>
+            <a:ext cx="9601200" cy="3571875"/>
+          </a:xfrm>
+        </p:spPr>
         <p:txBody>
           <a:bodyPr vert="eaVert"/>
           <a:lstStyle/>
@@ -427,18 +587,13 @@
               <a:rPr lang="fr-FR"/>
               <a:t>Cinquième niveau</a:t>
             </a:r>
-          </a:p>
-        </p:txBody>
-      </p:sp>
-      <p:sp>
-        <p:nvSpPr>
-          <p:cNvPr id="4" name="Espace réservé de la date 3">
-            <a:extLst>
-              <a:ext uri="{FF2B5EF4-FFF2-40B4-BE49-F238E27FC236}">
-                <a16:creationId xmlns:a16="http://schemas.microsoft.com/office/drawing/2014/main" id="{0DA3A495-223E-B644-04F8-3D3D7EEBEE96}"/>
-              </a:ext>
-            </a:extLst>
-          </p:cNvPr>
+            <a:endParaRPr lang="en-US" dirty="0"/>
+          </a:p>
+        </p:txBody>
+      </p:sp>
+      <p:sp>
+        <p:nvSpPr>
+          <p:cNvPr id="4" name="Date Placeholder 3"/>
           <p:cNvSpPr>
             <a:spLocks noGrp="1"/>
           </p:cNvSpPr>
@@ -461,13 +616,7 @@
       </p:sp>
       <p:sp>
         <p:nvSpPr>
-          <p:cNvPr id="5" name="Espace réservé du pied de page 4">
-            <a:extLst>
-              <a:ext uri="{FF2B5EF4-FFF2-40B4-BE49-F238E27FC236}">
-                <a16:creationId xmlns:a16="http://schemas.microsoft.com/office/drawing/2014/main" id="{3C34E3AC-4E80-6164-65BE-36E6180F563A}"/>
-              </a:ext>
-            </a:extLst>
-          </p:cNvPr>
+          <p:cNvPr id="5" name="Footer Placeholder 4"/>
           <p:cNvSpPr>
             <a:spLocks noGrp="1"/>
           </p:cNvSpPr>
@@ -486,13 +635,7 @@
       </p:sp>
       <p:sp>
         <p:nvSpPr>
-          <p:cNvPr id="6" name="Espace réservé du numéro de diapositive 5">
-            <a:extLst>
-              <a:ext uri="{FF2B5EF4-FFF2-40B4-BE49-F238E27FC236}">
-                <a16:creationId xmlns:a16="http://schemas.microsoft.com/office/drawing/2014/main" id="{D08D90F1-77B3-559D-A48A-063989D65D2C}"/>
-              </a:ext>
-            </a:extLst>
-          </p:cNvPr>
+          <p:cNvPr id="6" name="Slide Number Placeholder 5"/>
           <p:cNvSpPr>
             <a:spLocks noGrp="1"/>
           </p:cNvSpPr>
@@ -516,7 +659,7 @@
     </p:spTree>
     <p:extLst>
       <p:ext uri="{BB962C8B-B14F-4D97-AF65-F5344CB8AC3E}">
-        <p14:creationId xmlns:p14="http://schemas.microsoft.com/office/powerpoint/2010/main" val="180110247"/>
+        <p14:creationId xmlns:p14="http://schemas.microsoft.com/office/powerpoint/2010/main" val="904591191"/>
       </p:ext>
     </p:extLst>
   </p:cSld>
@@ -545,13 +688,7 @@
       </p:grpSpPr>
       <p:sp>
         <p:nvSpPr>
-          <p:cNvPr id="2" name="Titre vertical 1">
-            <a:extLst>
-              <a:ext uri="{FF2B5EF4-FFF2-40B4-BE49-F238E27FC236}">
-                <a16:creationId xmlns:a16="http://schemas.microsoft.com/office/drawing/2014/main" id="{614DF7A6-3AFD-3BCA-C670-8A803BA896EE}"/>
-              </a:ext>
-            </a:extLst>
-          </p:cNvPr>
+          <p:cNvPr id="2" name="Vertical Title 1"/>
           <p:cNvSpPr>
             <a:spLocks noGrp="1"/>
           </p:cNvSpPr>
@@ -561,8 +698,8 @@
         </p:nvSpPr>
         <p:spPr>
           <a:xfrm>
-            <a:off x="8724900" y="365125"/>
-            <a:ext cx="2628900" cy="5811838"/>
+            <a:off x="9596561" y="624156"/>
+            <a:ext cx="1565766" cy="5243244"/>
           </a:xfrm>
         </p:spPr>
         <p:txBody>
@@ -573,18 +710,13 @@
               <a:rPr lang="fr-FR"/>
               <a:t>Modifiez le style du titre</a:t>
             </a:r>
-          </a:p>
-        </p:txBody>
-      </p:sp>
-      <p:sp>
-        <p:nvSpPr>
-          <p:cNvPr id="3" name="Espace réservé du texte vertical 2">
-            <a:extLst>
-              <a:ext uri="{FF2B5EF4-FFF2-40B4-BE49-F238E27FC236}">
-                <a16:creationId xmlns:a16="http://schemas.microsoft.com/office/drawing/2014/main" id="{53637D84-E3FE-2217-EA97-CD80FB7DDB30}"/>
-              </a:ext>
-            </a:extLst>
-          </p:cNvPr>
+            <a:endParaRPr lang="en-US" dirty="0"/>
+          </a:p>
+        </p:txBody>
+      </p:sp>
+      <p:sp>
+        <p:nvSpPr>
+          <p:cNvPr id="3" name="Vertical Text Placeholder 2"/>
           <p:cNvSpPr>
             <a:spLocks noGrp="1"/>
           </p:cNvSpPr>
@@ -594,8 +726,8 @@
         </p:nvSpPr>
         <p:spPr>
           <a:xfrm>
-            <a:off x="838200" y="365125"/>
-            <a:ext cx="7734300" cy="5811838"/>
+            <a:off x="1371600" y="624156"/>
+            <a:ext cx="8179641" cy="5243244"/>
           </a:xfrm>
         </p:spPr>
         <p:txBody>
@@ -635,18 +767,13 @@
               <a:rPr lang="fr-FR"/>
               <a:t>Cinquième niveau</a:t>
             </a:r>
-          </a:p>
-        </p:txBody>
-      </p:sp>
-      <p:sp>
-        <p:nvSpPr>
-          <p:cNvPr id="4" name="Espace réservé de la date 3">
-            <a:extLst>
-              <a:ext uri="{FF2B5EF4-FFF2-40B4-BE49-F238E27FC236}">
-                <a16:creationId xmlns:a16="http://schemas.microsoft.com/office/drawing/2014/main" id="{6577141B-798C-75B8-4343-48617FC06562}"/>
-              </a:ext>
-            </a:extLst>
-          </p:cNvPr>
+            <a:endParaRPr lang="en-US" dirty="0"/>
+          </a:p>
+        </p:txBody>
+      </p:sp>
+      <p:sp>
+        <p:nvSpPr>
+          <p:cNvPr id="4" name="Date Placeholder 3"/>
           <p:cNvSpPr>
             <a:spLocks noGrp="1"/>
           </p:cNvSpPr>
@@ -669,13 +796,7 @@
       </p:sp>
       <p:sp>
         <p:nvSpPr>
-          <p:cNvPr id="5" name="Espace réservé du pied de page 4">
-            <a:extLst>
-              <a:ext uri="{FF2B5EF4-FFF2-40B4-BE49-F238E27FC236}">
-                <a16:creationId xmlns:a16="http://schemas.microsoft.com/office/drawing/2014/main" id="{5B7566DB-6A73-1E00-A1AD-D327EC3FE70E}"/>
-              </a:ext>
-            </a:extLst>
-          </p:cNvPr>
+          <p:cNvPr id="5" name="Footer Placeholder 4"/>
           <p:cNvSpPr>
             <a:spLocks noGrp="1"/>
           </p:cNvSpPr>
@@ -694,13 +815,7 @@
       </p:sp>
       <p:sp>
         <p:nvSpPr>
-          <p:cNvPr id="6" name="Espace réservé du numéro de diapositive 5">
-            <a:extLst>
-              <a:ext uri="{FF2B5EF4-FFF2-40B4-BE49-F238E27FC236}">
-                <a16:creationId xmlns:a16="http://schemas.microsoft.com/office/drawing/2014/main" id="{41596CC2-2C97-1E5A-FDC7-08AEE9E05B94}"/>
-              </a:ext>
-            </a:extLst>
-          </p:cNvPr>
+          <p:cNvPr id="6" name="Slide Number Placeholder 5"/>
           <p:cNvSpPr>
             <a:spLocks noGrp="1"/>
           </p:cNvSpPr>
@@ -724,7 +839,7 @@
     </p:spTree>
     <p:extLst>
       <p:ext uri="{BB962C8B-B14F-4D97-AF65-F5344CB8AC3E}">
-        <p14:creationId xmlns:p14="http://schemas.microsoft.com/office/powerpoint/2010/main" val="3798847077"/>
+        <p14:creationId xmlns:p14="http://schemas.microsoft.com/office/powerpoint/2010/main" val="4079333700"/>
       </p:ext>
     </p:extLst>
   </p:cSld>
@@ -753,13 +868,7 @@
       </p:grpSpPr>
       <p:sp>
         <p:nvSpPr>
-          <p:cNvPr id="2" name="Titre 1">
-            <a:extLst>
-              <a:ext uri="{FF2B5EF4-FFF2-40B4-BE49-F238E27FC236}">
-                <a16:creationId xmlns:a16="http://schemas.microsoft.com/office/drawing/2014/main" id="{3B046389-F302-2CA1-EC52-C4184A3880C7}"/>
-              </a:ext>
-            </a:extLst>
-          </p:cNvPr>
+          <p:cNvPr id="2" name="Title 1"/>
           <p:cNvSpPr>
             <a:spLocks noGrp="1"/>
           </p:cNvSpPr>
@@ -776,18 +885,13 @@
               <a:rPr lang="fr-FR"/>
               <a:t>Modifiez le style du titre</a:t>
             </a:r>
-          </a:p>
-        </p:txBody>
-      </p:sp>
-      <p:sp>
-        <p:nvSpPr>
-          <p:cNvPr id="3" name="Espace réservé du contenu 2">
-            <a:extLst>
-              <a:ext uri="{FF2B5EF4-FFF2-40B4-BE49-F238E27FC236}">
-                <a16:creationId xmlns:a16="http://schemas.microsoft.com/office/drawing/2014/main" id="{744A8EE3-7998-336B-326E-71D1788FA520}"/>
-              </a:ext>
-            </a:extLst>
-          </p:cNvPr>
+            <a:endParaRPr lang="en-US" dirty="0"/>
+          </a:p>
+        </p:txBody>
+      </p:sp>
+      <p:sp>
+        <p:nvSpPr>
+          <p:cNvPr id="3" name="Content Placeholder 2"/>
           <p:cNvSpPr>
             <a:spLocks noGrp="1"/>
           </p:cNvSpPr>
@@ -833,18 +937,13 @@
               <a:rPr lang="fr-FR"/>
               <a:t>Cinquième niveau</a:t>
             </a:r>
-          </a:p>
-        </p:txBody>
-      </p:sp>
-      <p:sp>
-        <p:nvSpPr>
-          <p:cNvPr id="4" name="Espace réservé de la date 3">
-            <a:extLst>
-              <a:ext uri="{FF2B5EF4-FFF2-40B4-BE49-F238E27FC236}">
-                <a16:creationId xmlns:a16="http://schemas.microsoft.com/office/drawing/2014/main" id="{29E3DB3F-AB33-57A2-7DEB-F956BE911269}"/>
-              </a:ext>
-            </a:extLst>
-          </p:cNvPr>
+            <a:endParaRPr lang="en-US" dirty="0"/>
+          </a:p>
+        </p:txBody>
+      </p:sp>
+      <p:sp>
+        <p:nvSpPr>
+          <p:cNvPr id="4" name="Date Placeholder 3"/>
           <p:cNvSpPr>
             <a:spLocks noGrp="1"/>
           </p:cNvSpPr>
@@ -867,13 +966,7 @@
       </p:sp>
       <p:sp>
         <p:nvSpPr>
-          <p:cNvPr id="5" name="Espace réservé du pied de page 4">
-            <a:extLst>
-              <a:ext uri="{FF2B5EF4-FFF2-40B4-BE49-F238E27FC236}">
-                <a16:creationId xmlns:a16="http://schemas.microsoft.com/office/drawing/2014/main" id="{E7A40D6E-26BE-4379-AB22-EC97388854C3}"/>
-              </a:ext>
-            </a:extLst>
-          </p:cNvPr>
+          <p:cNvPr id="5" name="Footer Placeholder 4"/>
           <p:cNvSpPr>
             <a:spLocks noGrp="1"/>
           </p:cNvSpPr>
@@ -892,13 +985,7 @@
       </p:sp>
       <p:sp>
         <p:nvSpPr>
-          <p:cNvPr id="6" name="Espace réservé du numéro de diapositive 5">
-            <a:extLst>
-              <a:ext uri="{FF2B5EF4-FFF2-40B4-BE49-F238E27FC236}">
-                <a16:creationId xmlns:a16="http://schemas.microsoft.com/office/drawing/2014/main" id="{10F47AD5-43D9-C41F-C5FA-E8F1F806F3A8}"/>
-              </a:ext>
-            </a:extLst>
-          </p:cNvPr>
+          <p:cNvPr id="6" name="Slide Number Placeholder 5"/>
           <p:cNvSpPr>
             <a:spLocks noGrp="1"/>
           </p:cNvSpPr>
@@ -922,7 +1009,7 @@
     </p:spTree>
     <p:extLst>
       <p:ext uri="{BB962C8B-B14F-4D97-AF65-F5344CB8AC3E}">
-        <p14:creationId xmlns:p14="http://schemas.microsoft.com/office/powerpoint/2010/main" val="2512892798"/>
+        <p14:creationId xmlns:p14="http://schemas.microsoft.com/office/powerpoint/2010/main" val="1650588794"/>
       </p:ext>
     </p:extLst>
   </p:cSld>
@@ -933,8 +1020,13 @@
 </file>
 
 <file path=ppt/slideLayouts/slideLayout3.xml><?xml version="1.0" encoding="utf-8"?>
-<p:sldLayout xmlns:a="http://schemas.openxmlformats.org/drawingml/2006/main" xmlns:r="http://schemas.openxmlformats.org/officeDocument/2006/relationships" xmlns:p="http://schemas.openxmlformats.org/presentationml/2006/main" type="secHead" preserve="1">
+<p:sldLayout xmlns:a="http://schemas.openxmlformats.org/drawingml/2006/main" xmlns:r="http://schemas.openxmlformats.org/officeDocument/2006/relationships" xmlns:p="http://schemas.openxmlformats.org/presentationml/2006/main" showMasterSp="0" type="secHead" preserve="1">
   <p:cSld name="Titre de section">
+    <p:bg>
+      <p:bgRef idx="1001">
+        <a:schemeClr val="bg2"/>
+      </p:bgRef>
+    </p:bg>
     <p:spTree>
       <p:nvGrpSpPr>
         <p:cNvPr id="1" name=""/>
@@ -951,13 +1043,7 @@
       </p:grpSpPr>
       <p:sp>
         <p:nvSpPr>
-          <p:cNvPr id="2" name="Titre 1">
-            <a:extLst>
-              <a:ext uri="{FF2B5EF4-FFF2-40B4-BE49-F238E27FC236}">
-                <a16:creationId xmlns:a16="http://schemas.microsoft.com/office/drawing/2014/main" id="{71458E97-5160-037E-AC4A-63649F613331}"/>
-              </a:ext>
-            </a:extLst>
-          </p:cNvPr>
+          <p:cNvPr id="2" name="Title 1"/>
           <p:cNvSpPr>
             <a:spLocks noGrp="1"/>
           </p:cNvSpPr>
@@ -967,15 +1053,21 @@
         </p:nvSpPr>
         <p:spPr>
           <a:xfrm>
-            <a:off x="831850" y="1709738"/>
-            <a:ext cx="10515600" cy="2852737"/>
-          </a:xfrm>
-        </p:spPr>
-        <p:txBody>
-          <a:bodyPr anchor="b"/>
+            <a:off x="765025" y="1301360"/>
+            <a:ext cx="9612971" cy="2852737"/>
+          </a:xfrm>
+        </p:spPr>
+        <p:txBody>
+          <a:bodyPr anchor="b">
+            <a:normAutofit/>
+          </a:bodyPr>
           <a:lstStyle>
-            <a:lvl1pPr>
-              <a:defRPr sz="6000"/>
+            <a:lvl1pPr algn="r">
+              <a:defRPr sz="7200" cap="all" baseline="0">
+                <a:solidFill>
+                  <a:schemeClr val="tx2"/>
+                </a:solidFill>
+              </a:defRPr>
             </a:lvl1pPr>
           </a:lstStyle>
           <a:p>
@@ -983,18 +1075,13 @@
               <a:rPr lang="fr-FR"/>
               <a:t>Modifiez le style du titre</a:t>
             </a:r>
-          </a:p>
-        </p:txBody>
-      </p:sp>
-      <p:sp>
-        <p:nvSpPr>
-          <p:cNvPr id="3" name="Espace réservé du texte 2">
-            <a:extLst>
-              <a:ext uri="{FF2B5EF4-FFF2-40B4-BE49-F238E27FC236}">
-                <a16:creationId xmlns:a16="http://schemas.microsoft.com/office/drawing/2014/main" id="{2FA27474-4368-8850-E2C2-03947CC0F623}"/>
-              </a:ext>
-            </a:extLst>
-          </p:cNvPr>
+            <a:endParaRPr lang="en-US" dirty="0"/>
+          </a:p>
+        </p:txBody>
+      </p:sp>
+      <p:sp>
+        <p:nvSpPr>
+          <p:cNvPr id="3" name="Text Placeholder 2"/>
           <p:cNvSpPr>
             <a:spLocks noGrp="1"/>
           </p:cNvSpPr>
@@ -1004,44 +1091,61 @@
         </p:nvSpPr>
         <p:spPr>
           <a:xfrm>
-            <a:off x="831850" y="4589463"/>
-            <a:ext cx="10515600" cy="1500187"/>
+            <a:off x="765025" y="4216328"/>
+            <a:ext cx="9612971" cy="1143324"/>
           </a:xfrm>
         </p:spPr>
         <p:txBody>
           <a:bodyPr/>
           <a:lstStyle>
-            <a:lvl1pPr marL="0" indent="0">
+            <a:lvl1pPr marL="0" indent="0" algn="r">
+              <a:lnSpc>
+                <a:spcPct val="112000"/>
+              </a:lnSpc>
+              <a:spcBef>
+                <a:spcPts val="0"/>
+              </a:spcBef>
+              <a:spcAft>
+                <a:spcPts val="0"/>
+              </a:spcAft>
               <a:buNone/>
               <a:defRPr sz="2400">
+                <a:solidFill>
+                  <a:schemeClr val="tx2"/>
+                </a:solidFill>
+              </a:defRPr>
+            </a:lvl1pPr>
+            <a:lvl2pPr marL="457200" indent="0">
+              <a:buNone/>
+              <a:defRPr sz="2000">
                 <a:solidFill>
                   <a:schemeClr val="tx1">
                     <a:tint val="75000"/>
                   </a:schemeClr>
                 </a:solidFill>
               </a:defRPr>
-            </a:lvl1pPr>
-            <a:lvl2pPr marL="457200" indent="0">
-              <a:buNone/>
-              <a:defRPr sz="2000">
+            </a:lvl2pPr>
+            <a:lvl3pPr marL="914400" indent="0">
+              <a:buNone/>
+              <a:defRPr sz="1800">
                 <a:solidFill>
                   <a:schemeClr val="tx1">
                     <a:tint val="75000"/>
                   </a:schemeClr>
                 </a:solidFill>
               </a:defRPr>
-            </a:lvl2pPr>
-            <a:lvl3pPr marL="914400" indent="0">
-              <a:buNone/>
-              <a:defRPr sz="1800">
+            </a:lvl3pPr>
+            <a:lvl4pPr marL="1371600" indent="0">
+              <a:buNone/>
+              <a:defRPr sz="1600">
                 <a:solidFill>
                   <a:schemeClr val="tx1">
                     <a:tint val="75000"/>
                   </a:schemeClr>
                 </a:solidFill>
               </a:defRPr>
-            </a:lvl3pPr>
-            <a:lvl4pPr marL="1371600" indent="0">
+            </a:lvl4pPr>
+            <a:lvl5pPr marL="1828800" indent="0">
               <a:buNone/>
               <a:defRPr sz="1600">
                 <a:solidFill>
@@ -1050,8 +1154,8 @@
                   </a:schemeClr>
                 </a:solidFill>
               </a:defRPr>
-            </a:lvl4pPr>
-            <a:lvl5pPr marL="1828800" indent="0">
+            </a:lvl5pPr>
+            <a:lvl6pPr marL="2286000" indent="0">
               <a:buNone/>
               <a:defRPr sz="1600">
                 <a:solidFill>
@@ -1060,8 +1164,8 @@
                   </a:schemeClr>
                 </a:solidFill>
               </a:defRPr>
-            </a:lvl5pPr>
-            <a:lvl6pPr marL="2286000" indent="0">
+            </a:lvl6pPr>
+            <a:lvl7pPr marL="2743200" indent="0">
               <a:buNone/>
               <a:defRPr sz="1600">
                 <a:solidFill>
@@ -1070,8 +1174,8 @@
                   </a:schemeClr>
                 </a:solidFill>
               </a:defRPr>
-            </a:lvl6pPr>
-            <a:lvl7pPr marL="2743200" indent="0">
+            </a:lvl7pPr>
+            <a:lvl8pPr marL="3200400" indent="0">
               <a:buNone/>
               <a:defRPr sz="1600">
                 <a:solidFill>
@@ -1080,8 +1184,8 @@
                   </a:schemeClr>
                 </a:solidFill>
               </a:defRPr>
-            </a:lvl7pPr>
-            <a:lvl8pPr marL="3200400" indent="0">
+            </a:lvl8pPr>
+            <a:lvl9pPr marL="3657600" indent="0">
               <a:buNone/>
               <a:defRPr sz="1600">
                 <a:solidFill>
@@ -1090,16 +1194,6 @@
                   </a:schemeClr>
                 </a:solidFill>
               </a:defRPr>
-            </a:lvl8pPr>
-            <a:lvl9pPr marL="3657600" indent="0">
-              <a:buNone/>
-              <a:defRPr sz="1600">
-                <a:solidFill>
-                  <a:schemeClr val="tx1">
-                    <a:tint val="75000"/>
-                  </a:schemeClr>
-                </a:solidFill>
-              </a:defRPr>
             </a:lvl9pPr>
           </a:lstStyle>
           <a:p>
@@ -1113,13 +1207,7 @@
       </p:sp>
       <p:sp>
         <p:nvSpPr>
-          <p:cNvPr id="4" name="Espace réservé de la date 3">
-            <a:extLst>
-              <a:ext uri="{FF2B5EF4-FFF2-40B4-BE49-F238E27FC236}">
-                <a16:creationId xmlns:a16="http://schemas.microsoft.com/office/drawing/2014/main" id="{6C683BC4-966B-39A4-6FE8-7640BAD9DEC7}"/>
-              </a:ext>
-            </a:extLst>
-          </p:cNvPr>
+          <p:cNvPr id="4" name="Date Placeholder 3"/>
           <p:cNvSpPr>
             <a:spLocks noGrp="1"/>
           </p:cNvSpPr>
@@ -1127,10 +1215,23 @@
             <p:ph type="dt" sz="half" idx="10"/>
           </p:nvPr>
         </p:nvSpPr>
-        <p:spPr/>
-        <p:txBody>
-          <a:bodyPr/>
-          <a:lstStyle/>
+        <p:spPr>
+          <a:xfrm>
+            <a:off x="738908" y="6453386"/>
+            <a:ext cx="1622409" cy="404614"/>
+          </a:xfrm>
+        </p:spPr>
+        <p:txBody>
+          <a:bodyPr/>
+          <a:lstStyle>
+            <a:lvl1pPr>
+              <a:defRPr>
+                <a:solidFill>
+                  <a:schemeClr val="tx2"/>
+                </a:solidFill>
+              </a:defRPr>
+            </a:lvl1pPr>
+          </a:lstStyle>
           <a:p>
             <a:fld id="{981B849D-0B7F-4C5F-8605-4847C32E2ACB}" type="datetimeFigureOut">
               <a:rPr lang="fr-FR" smtClean="0"/>
@@ -1142,13 +1243,7 @@
       </p:sp>
       <p:sp>
         <p:nvSpPr>
-          <p:cNvPr id="5" name="Espace réservé du pied de page 4">
-            <a:extLst>
-              <a:ext uri="{FF2B5EF4-FFF2-40B4-BE49-F238E27FC236}">
-                <a16:creationId xmlns:a16="http://schemas.microsoft.com/office/drawing/2014/main" id="{5962D29A-B7CE-F653-E818-720C34906744}"/>
-              </a:ext>
-            </a:extLst>
-          </p:cNvPr>
+          <p:cNvPr id="5" name="Footer Placeholder 4"/>
           <p:cNvSpPr>
             <a:spLocks noGrp="1"/>
           </p:cNvSpPr>
@@ -1156,10 +1251,23 @@
             <p:ph type="ftr" sz="quarter" idx="11"/>
           </p:nvPr>
         </p:nvSpPr>
-        <p:spPr/>
-        <p:txBody>
-          <a:bodyPr/>
-          <a:lstStyle/>
+        <p:spPr>
+          <a:xfrm>
+            <a:off x="2584312" y="6453386"/>
+            <a:ext cx="7023377" cy="404614"/>
+          </a:xfrm>
+        </p:spPr>
+        <p:txBody>
+          <a:bodyPr/>
+          <a:lstStyle>
+            <a:lvl1pPr algn="ctr">
+              <a:defRPr>
+                <a:solidFill>
+                  <a:schemeClr val="tx2"/>
+                </a:solidFill>
+              </a:defRPr>
+            </a:lvl1pPr>
+          </a:lstStyle>
           <a:p>
             <a:endParaRPr lang="fr-FR"/>
           </a:p>
@@ -1167,13 +1275,7 @@
       </p:sp>
       <p:sp>
         <p:nvSpPr>
-          <p:cNvPr id="6" name="Espace réservé du numéro de diapositive 5">
-            <a:extLst>
-              <a:ext uri="{FF2B5EF4-FFF2-40B4-BE49-F238E27FC236}">
-                <a16:creationId xmlns:a16="http://schemas.microsoft.com/office/drawing/2014/main" id="{A5C6F239-5F55-8C03-5877-5845BE3D1F71}"/>
-              </a:ext>
-            </a:extLst>
-          </p:cNvPr>
+          <p:cNvPr id="6" name="Slide Number Placeholder 5"/>
           <p:cNvSpPr>
             <a:spLocks noGrp="1"/>
           </p:cNvSpPr>
@@ -1181,10 +1283,23 @@
             <p:ph type="sldNum" sz="quarter" idx="12"/>
           </p:nvPr>
         </p:nvSpPr>
-        <p:spPr/>
-        <p:txBody>
-          <a:bodyPr/>
-          <a:lstStyle/>
+        <p:spPr>
+          <a:xfrm>
+            <a:off x="9830683" y="6453386"/>
+            <a:ext cx="1596292" cy="404614"/>
+          </a:xfrm>
+        </p:spPr>
+        <p:txBody>
+          <a:bodyPr/>
+          <a:lstStyle>
+            <a:lvl1pPr>
+              <a:defRPr>
+                <a:solidFill>
+                  <a:schemeClr val="tx2"/>
+                </a:solidFill>
+              </a:defRPr>
+            </a:lvl1pPr>
+          </a:lstStyle>
           <a:p>
             <a:fld id="{AD2A5D94-8A30-4D66-A5EA-6DC300F4D27E}" type="slidenum">
               <a:rPr lang="fr-FR" smtClean="0"/>
@@ -1194,15 +1309,71 @@
           </a:p>
         </p:txBody>
       </p:sp>
+      <p:sp>
+        <p:nvSpPr>
+          <p:cNvPr id="7" name="Freeform 6" title="Crop Mark"/>
+          <p:cNvSpPr/>
+          <p:nvPr/>
+        </p:nvSpPr>
+        <p:spPr bwMode="auto">
+          <a:xfrm>
+            <a:off x="8151962" y="1685652"/>
+            <a:ext cx="3275013" cy="4408488"/>
+          </a:xfrm>
+          <a:custGeom>
+            <a:avLst/>
+            <a:gdLst/>
+            <a:ahLst/>
+            <a:cxnLst/>
+            <a:rect l="0" t="0" r="r" b="b"/>
+            <a:pathLst>
+              <a:path w="4125" h="5554">
+                <a:moveTo>
+                  <a:pt x="3614" y="0"/>
+                </a:moveTo>
+                <a:lnTo>
+                  <a:pt x="4125" y="0"/>
+                </a:lnTo>
+                <a:lnTo>
+                  <a:pt x="4125" y="5554"/>
+                </a:lnTo>
+                <a:lnTo>
+                  <a:pt x="0" y="5554"/>
+                </a:lnTo>
+                <a:lnTo>
+                  <a:pt x="0" y="5074"/>
+                </a:lnTo>
+                <a:lnTo>
+                  <a:pt x="3614" y="5074"/>
+                </a:lnTo>
+                <a:lnTo>
+                  <a:pt x="3614" y="0"/>
+                </a:lnTo>
+                <a:close/>
+              </a:path>
+            </a:pathLst>
+          </a:custGeom>
+          <a:solidFill>
+            <a:schemeClr val="tx2"/>
+          </a:solidFill>
+          <a:ln w="0">
+            <a:noFill/>
+            <a:prstDash val="solid"/>
+            <a:round/>
+            <a:headEnd/>
+            <a:tailEnd/>
+          </a:ln>
+        </p:spPr>
+      </p:sp>
     </p:spTree>
     <p:extLst>
       <p:ext uri="{BB962C8B-B14F-4D97-AF65-F5344CB8AC3E}">
-        <p14:creationId xmlns:p14="http://schemas.microsoft.com/office/powerpoint/2010/main" val="2200380721"/>
+        <p14:creationId xmlns:p14="http://schemas.microsoft.com/office/powerpoint/2010/main" val="455405029"/>
       </p:ext>
     </p:extLst>
   </p:cSld>
   <p:clrMapOvr>
-    <a:masterClrMapping/>
+    <a:overrideClrMapping bg1="dk1" tx1="lt1" bg2="dk2" tx2="lt2" accent1="accent1" accent2="accent2" accent3="accent3" accent4="accent4" accent5="accent5" accent6="accent6" hlink="hlink" folHlink="folHlink"/>
   </p:clrMapOvr>
 </p:sldLayout>
 </file>
@@ -1226,13 +1397,7 @@
       </p:grpSpPr>
       <p:sp>
         <p:nvSpPr>
-          <p:cNvPr id="2" name="Titre 1">
-            <a:extLst>
-              <a:ext uri="{FF2B5EF4-FFF2-40B4-BE49-F238E27FC236}">
-                <a16:creationId xmlns:a16="http://schemas.microsoft.com/office/drawing/2014/main" id="{B4344182-25CA-F46D-F8B9-C9ED71445954}"/>
-              </a:ext>
-            </a:extLst>
-          </p:cNvPr>
+          <p:cNvPr id="2" name="Title 1"/>
           <p:cNvSpPr>
             <a:spLocks noGrp="1"/>
           </p:cNvSpPr>
@@ -1243,24 +1408,27 @@
         <p:spPr/>
         <p:txBody>
           <a:bodyPr/>
-          <a:lstStyle/>
+          <a:lstStyle>
+            <a:lvl1pPr>
+              <a:defRPr>
+                <a:solidFill>
+                  <a:schemeClr val="tx2"/>
+                </a:solidFill>
+              </a:defRPr>
+            </a:lvl1pPr>
+          </a:lstStyle>
           <a:p>
             <a:r>
               <a:rPr lang="fr-FR"/>
               <a:t>Modifiez le style du titre</a:t>
             </a:r>
-          </a:p>
-        </p:txBody>
-      </p:sp>
-      <p:sp>
-        <p:nvSpPr>
-          <p:cNvPr id="3" name="Espace réservé du contenu 2">
-            <a:extLst>
-              <a:ext uri="{FF2B5EF4-FFF2-40B4-BE49-F238E27FC236}">
-                <a16:creationId xmlns:a16="http://schemas.microsoft.com/office/drawing/2014/main" id="{19F7D9C5-863D-B949-5CDF-12AD7404EEF2}"/>
-              </a:ext>
-            </a:extLst>
-          </p:cNvPr>
+            <a:endParaRPr lang="en-US" dirty="0"/>
+          </a:p>
+        </p:txBody>
+      </p:sp>
+      <p:sp>
+        <p:nvSpPr>
+          <p:cNvPr id="3" name="Content Placeholder 2"/>
           <p:cNvSpPr>
             <a:spLocks noGrp="1"/>
           </p:cNvSpPr>
@@ -1270,13 +1438,49 @@
         </p:nvSpPr>
         <p:spPr>
           <a:xfrm>
-            <a:off x="838200" y="1825625"/>
-            <a:ext cx="5181600" cy="4351338"/>
-          </a:xfrm>
-        </p:spPr>
-        <p:txBody>
-          <a:bodyPr/>
-          <a:lstStyle/>
+            <a:off x="1371600" y="2285999"/>
+            <a:ext cx="4447786" cy="3581401"/>
+          </a:xfrm>
+        </p:spPr>
+        <p:txBody>
+          <a:bodyPr/>
+          <a:lstStyle>
+            <a:lvl1pPr>
+              <a:defRPr baseline="0">
+                <a:solidFill>
+                  <a:schemeClr val="tx2"/>
+                </a:solidFill>
+              </a:defRPr>
+            </a:lvl1pPr>
+            <a:lvl2pPr>
+              <a:defRPr baseline="0">
+                <a:solidFill>
+                  <a:schemeClr val="tx2"/>
+                </a:solidFill>
+              </a:defRPr>
+            </a:lvl2pPr>
+            <a:lvl3pPr>
+              <a:defRPr baseline="0">
+                <a:solidFill>
+                  <a:schemeClr val="tx2"/>
+                </a:solidFill>
+              </a:defRPr>
+            </a:lvl3pPr>
+            <a:lvl4pPr>
+              <a:defRPr baseline="0">
+                <a:solidFill>
+                  <a:schemeClr val="tx2"/>
+                </a:solidFill>
+              </a:defRPr>
+            </a:lvl4pPr>
+            <a:lvl5pPr>
+              <a:defRPr baseline="0">
+                <a:solidFill>
+                  <a:schemeClr val="tx2"/>
+                </a:solidFill>
+              </a:defRPr>
+            </a:lvl5pPr>
+          </a:lstStyle>
           <a:p>
             <a:pPr lvl="0"/>
             <a:r>
@@ -1311,18 +1515,13 @@
               <a:rPr lang="fr-FR"/>
               <a:t>Cinquième niveau</a:t>
             </a:r>
-          </a:p>
-        </p:txBody>
-      </p:sp>
-      <p:sp>
-        <p:nvSpPr>
-          <p:cNvPr id="4" name="Espace réservé du contenu 3">
-            <a:extLst>
-              <a:ext uri="{FF2B5EF4-FFF2-40B4-BE49-F238E27FC236}">
-                <a16:creationId xmlns:a16="http://schemas.microsoft.com/office/drawing/2014/main" id="{EDA63005-1264-3572-6EB2-1D7EF08B4BF9}"/>
-              </a:ext>
-            </a:extLst>
-          </p:cNvPr>
+            <a:endParaRPr lang="en-US" dirty="0"/>
+          </a:p>
+        </p:txBody>
+      </p:sp>
+      <p:sp>
+        <p:nvSpPr>
+          <p:cNvPr id="4" name="Content Placeholder 3"/>
           <p:cNvSpPr>
             <a:spLocks noGrp="1"/>
           </p:cNvSpPr>
@@ -1332,13 +1531,49 @@
         </p:nvSpPr>
         <p:spPr>
           <a:xfrm>
-            <a:off x="6172200" y="1825625"/>
-            <a:ext cx="5181600" cy="4351338"/>
-          </a:xfrm>
-        </p:spPr>
-        <p:txBody>
-          <a:bodyPr/>
-          <a:lstStyle/>
+            <a:off x="6525403" y="2285999"/>
+            <a:ext cx="4447786" cy="3581401"/>
+          </a:xfrm>
+        </p:spPr>
+        <p:txBody>
+          <a:bodyPr/>
+          <a:lstStyle>
+            <a:lvl1pPr>
+              <a:defRPr>
+                <a:solidFill>
+                  <a:schemeClr val="tx2"/>
+                </a:solidFill>
+              </a:defRPr>
+            </a:lvl1pPr>
+            <a:lvl2pPr>
+              <a:defRPr>
+                <a:solidFill>
+                  <a:schemeClr val="tx2"/>
+                </a:solidFill>
+              </a:defRPr>
+            </a:lvl2pPr>
+            <a:lvl3pPr>
+              <a:defRPr>
+                <a:solidFill>
+                  <a:schemeClr val="tx2"/>
+                </a:solidFill>
+              </a:defRPr>
+            </a:lvl3pPr>
+            <a:lvl4pPr>
+              <a:defRPr>
+                <a:solidFill>
+                  <a:schemeClr val="tx2"/>
+                </a:solidFill>
+              </a:defRPr>
+            </a:lvl4pPr>
+            <a:lvl5pPr>
+              <a:defRPr>
+                <a:solidFill>
+                  <a:schemeClr val="tx2"/>
+                </a:solidFill>
+              </a:defRPr>
+            </a:lvl5pPr>
+          </a:lstStyle>
           <a:p>
             <a:pPr lvl="0"/>
             <a:r>
@@ -1373,18 +1608,13 @@
               <a:rPr lang="fr-FR"/>
               <a:t>Cinquième niveau</a:t>
             </a:r>
-          </a:p>
-        </p:txBody>
-      </p:sp>
-      <p:sp>
-        <p:nvSpPr>
-          <p:cNvPr id="5" name="Espace réservé de la date 4">
-            <a:extLst>
-              <a:ext uri="{FF2B5EF4-FFF2-40B4-BE49-F238E27FC236}">
-                <a16:creationId xmlns:a16="http://schemas.microsoft.com/office/drawing/2014/main" id="{AB2C3654-8003-150A-ED08-C9B41E8101AF}"/>
-              </a:ext>
-            </a:extLst>
-          </p:cNvPr>
+            <a:endParaRPr lang="en-US" dirty="0"/>
+          </a:p>
+        </p:txBody>
+      </p:sp>
+      <p:sp>
+        <p:nvSpPr>
+          <p:cNvPr id="5" name="Date Placeholder 4"/>
           <p:cNvSpPr>
             <a:spLocks noGrp="1"/>
           </p:cNvSpPr>
@@ -1407,13 +1637,7 @@
       </p:sp>
       <p:sp>
         <p:nvSpPr>
-          <p:cNvPr id="6" name="Espace réservé du pied de page 5">
-            <a:extLst>
-              <a:ext uri="{FF2B5EF4-FFF2-40B4-BE49-F238E27FC236}">
-                <a16:creationId xmlns:a16="http://schemas.microsoft.com/office/drawing/2014/main" id="{6FC3445C-3191-93A0-37B2-BE731EA54E51}"/>
-              </a:ext>
-            </a:extLst>
-          </p:cNvPr>
+          <p:cNvPr id="6" name="Footer Placeholder 5"/>
           <p:cNvSpPr>
             <a:spLocks noGrp="1"/>
           </p:cNvSpPr>
@@ -1432,13 +1656,7 @@
       </p:sp>
       <p:sp>
         <p:nvSpPr>
-          <p:cNvPr id="7" name="Espace réservé du numéro de diapositive 6">
-            <a:extLst>
-              <a:ext uri="{FF2B5EF4-FFF2-40B4-BE49-F238E27FC236}">
-                <a16:creationId xmlns:a16="http://schemas.microsoft.com/office/drawing/2014/main" id="{2AE5A497-155F-24E5-F1E1-23303597095F}"/>
-              </a:ext>
-            </a:extLst>
-          </p:cNvPr>
+          <p:cNvPr id="7" name="Slide Number Placeholder 6"/>
           <p:cNvSpPr>
             <a:spLocks noGrp="1"/>
           </p:cNvSpPr>
@@ -1462,7 +1680,7 @@
     </p:spTree>
     <p:extLst>
       <p:ext uri="{BB962C8B-B14F-4D97-AF65-F5344CB8AC3E}">
-        <p14:creationId xmlns:p14="http://schemas.microsoft.com/office/powerpoint/2010/main" val="3286522389"/>
+        <p14:creationId xmlns:p14="http://schemas.microsoft.com/office/powerpoint/2010/main" val="581170506"/>
       </p:ext>
     </p:extLst>
   </p:cSld>
@@ -1491,13 +1709,7 @@
       </p:grpSpPr>
       <p:sp>
         <p:nvSpPr>
-          <p:cNvPr id="2" name="Titre 1">
-            <a:extLst>
-              <a:ext uri="{FF2B5EF4-FFF2-40B4-BE49-F238E27FC236}">
-                <a16:creationId xmlns:a16="http://schemas.microsoft.com/office/drawing/2014/main" id="{676B747B-47B3-CC38-CCA6-25C799E62E4C}"/>
-              </a:ext>
-            </a:extLst>
-          </p:cNvPr>
+          <p:cNvPr id="2" name="Title 1"/>
           <p:cNvSpPr>
             <a:spLocks noGrp="1"/>
           </p:cNvSpPr>
@@ -1507,30 +1719,33 @@
         </p:nvSpPr>
         <p:spPr>
           <a:xfrm>
-            <a:off x="839788" y="365125"/>
-            <a:ext cx="10515600" cy="1325563"/>
-          </a:xfrm>
-        </p:spPr>
-        <p:txBody>
-          <a:bodyPr/>
-          <a:lstStyle/>
+            <a:off x="1371600" y="685800"/>
+            <a:ext cx="9601200" cy="1485900"/>
+          </a:xfrm>
+        </p:spPr>
+        <p:txBody>
+          <a:bodyPr/>
+          <a:lstStyle>
+            <a:lvl1pPr>
+              <a:defRPr>
+                <a:solidFill>
+                  <a:schemeClr val="tx2"/>
+                </a:solidFill>
+              </a:defRPr>
+            </a:lvl1pPr>
+          </a:lstStyle>
           <a:p>
             <a:r>
               <a:rPr lang="fr-FR"/>
               <a:t>Modifiez le style du titre</a:t>
             </a:r>
-          </a:p>
-        </p:txBody>
-      </p:sp>
-      <p:sp>
-        <p:nvSpPr>
-          <p:cNvPr id="3" name="Espace réservé du texte 2">
-            <a:extLst>
-              <a:ext uri="{FF2B5EF4-FFF2-40B4-BE49-F238E27FC236}">
-                <a16:creationId xmlns:a16="http://schemas.microsoft.com/office/drawing/2014/main" id="{24067E06-A075-5D8D-18B8-7B038F62FAC8}"/>
-              </a:ext>
-            </a:extLst>
-          </p:cNvPr>
+            <a:endParaRPr lang="en-US" dirty="0"/>
+          </a:p>
+        </p:txBody>
+      </p:sp>
+      <p:sp>
+        <p:nvSpPr>
+          <p:cNvPr id="3" name="Text Placeholder 2"/>
           <p:cNvSpPr>
             <a:spLocks noGrp="1"/>
           </p:cNvSpPr>
@@ -1540,16 +1755,31 @@
         </p:nvSpPr>
         <p:spPr>
           <a:xfrm>
-            <a:off x="839788" y="1681163"/>
-            <a:ext cx="5157787" cy="823912"/>
-          </a:xfrm>
-        </p:spPr>
-        <p:txBody>
-          <a:bodyPr anchor="b"/>
+            <a:off x="1371600" y="2340864"/>
+            <a:ext cx="4443984" cy="823912"/>
+          </a:xfrm>
+        </p:spPr>
+        <p:txBody>
+          <a:bodyPr anchor="b">
+            <a:noAutofit/>
+          </a:bodyPr>
           <a:lstStyle>
             <a:lvl1pPr marL="0" indent="0">
-              <a:buNone/>
-              <a:defRPr sz="2400" b="1"/>
+              <a:lnSpc>
+                <a:spcPct val="84000"/>
+              </a:lnSpc>
+              <a:spcBef>
+                <a:spcPts val="0"/>
+              </a:spcBef>
+              <a:spcAft>
+                <a:spcPts val="0"/>
+              </a:spcAft>
+              <a:buNone/>
+              <a:defRPr sz="3000" b="0" baseline="0">
+                <a:solidFill>
+                  <a:schemeClr val="tx2"/>
+                </a:solidFill>
+              </a:defRPr>
             </a:lvl1pPr>
             <a:lvl2pPr marL="457200" indent="0">
               <a:buNone/>
@@ -1595,13 +1825,7 @@
       </p:sp>
       <p:sp>
         <p:nvSpPr>
-          <p:cNvPr id="4" name="Espace réservé du contenu 3">
-            <a:extLst>
-              <a:ext uri="{FF2B5EF4-FFF2-40B4-BE49-F238E27FC236}">
-                <a16:creationId xmlns:a16="http://schemas.microsoft.com/office/drawing/2014/main" id="{067C4D50-BBAE-7A04-F354-877CB485A187}"/>
-              </a:ext>
-            </a:extLst>
-          </p:cNvPr>
+          <p:cNvPr id="4" name="Content Placeholder 3"/>
           <p:cNvSpPr>
             <a:spLocks noGrp="1"/>
           </p:cNvSpPr>
@@ -1611,13 +1835,49 @@
         </p:nvSpPr>
         <p:spPr>
           <a:xfrm>
-            <a:off x="839788" y="2505075"/>
-            <a:ext cx="5157787" cy="3684588"/>
-          </a:xfrm>
-        </p:spPr>
-        <p:txBody>
-          <a:bodyPr/>
-          <a:lstStyle/>
+            <a:off x="1371600" y="3305207"/>
+            <a:ext cx="4443984" cy="2562193"/>
+          </a:xfrm>
+        </p:spPr>
+        <p:txBody>
+          <a:bodyPr/>
+          <a:lstStyle>
+            <a:lvl1pPr>
+              <a:defRPr baseline="0">
+                <a:solidFill>
+                  <a:schemeClr val="tx2"/>
+                </a:solidFill>
+              </a:defRPr>
+            </a:lvl1pPr>
+            <a:lvl2pPr>
+              <a:defRPr baseline="0">
+                <a:solidFill>
+                  <a:schemeClr val="tx2"/>
+                </a:solidFill>
+              </a:defRPr>
+            </a:lvl2pPr>
+            <a:lvl3pPr>
+              <a:defRPr baseline="0">
+                <a:solidFill>
+                  <a:schemeClr val="tx2"/>
+                </a:solidFill>
+              </a:defRPr>
+            </a:lvl3pPr>
+            <a:lvl4pPr>
+              <a:defRPr baseline="0">
+                <a:solidFill>
+                  <a:schemeClr val="tx2"/>
+                </a:solidFill>
+              </a:defRPr>
+            </a:lvl4pPr>
+            <a:lvl5pPr>
+              <a:defRPr baseline="0">
+                <a:solidFill>
+                  <a:schemeClr val="tx2"/>
+                </a:solidFill>
+              </a:defRPr>
+            </a:lvl5pPr>
+          </a:lstStyle>
           <a:p>
             <a:pPr lvl="0"/>
             <a:r>
@@ -1652,18 +1912,13 @@
               <a:rPr lang="fr-FR"/>
               <a:t>Cinquième niveau</a:t>
             </a:r>
-          </a:p>
-        </p:txBody>
-      </p:sp>
-      <p:sp>
-        <p:nvSpPr>
-          <p:cNvPr id="5" name="Espace réservé du texte 4">
-            <a:extLst>
-              <a:ext uri="{FF2B5EF4-FFF2-40B4-BE49-F238E27FC236}">
-                <a16:creationId xmlns:a16="http://schemas.microsoft.com/office/drawing/2014/main" id="{875DEC81-6BB0-5487-5FE8-12BB7594ABA7}"/>
-              </a:ext>
-            </a:extLst>
-          </p:cNvPr>
+            <a:endParaRPr lang="en-US" dirty="0"/>
+          </a:p>
+        </p:txBody>
+      </p:sp>
+      <p:sp>
+        <p:nvSpPr>
+          <p:cNvPr id="5" name="Text Placeholder 4"/>
           <p:cNvSpPr>
             <a:spLocks noGrp="1"/>
           </p:cNvSpPr>
@@ -1673,16 +1928,31 @@
         </p:nvSpPr>
         <p:spPr>
           <a:xfrm>
-            <a:off x="6172200" y="1681163"/>
-            <a:ext cx="5183188" cy="823912"/>
-          </a:xfrm>
-        </p:spPr>
-        <p:txBody>
-          <a:bodyPr anchor="b"/>
+            <a:off x="6525014" y="2340864"/>
+            <a:ext cx="4443984" cy="823912"/>
+          </a:xfrm>
+        </p:spPr>
+        <p:txBody>
+          <a:bodyPr anchor="b">
+            <a:noAutofit/>
+          </a:bodyPr>
           <a:lstStyle>
             <a:lvl1pPr marL="0" indent="0">
-              <a:buNone/>
-              <a:defRPr sz="2400" b="1"/>
+              <a:lnSpc>
+                <a:spcPct val="84000"/>
+              </a:lnSpc>
+              <a:spcBef>
+                <a:spcPts val="0"/>
+              </a:spcBef>
+              <a:spcAft>
+                <a:spcPts val="0"/>
+              </a:spcAft>
+              <a:buNone/>
+              <a:defRPr sz="3000" b="0" baseline="0">
+                <a:solidFill>
+                  <a:schemeClr val="tx2"/>
+                </a:solidFill>
+              </a:defRPr>
             </a:lvl1pPr>
             <a:lvl2pPr marL="457200" indent="0">
               <a:buNone/>
@@ -1728,13 +1998,7 @@
       </p:sp>
       <p:sp>
         <p:nvSpPr>
-          <p:cNvPr id="6" name="Espace réservé du contenu 5">
-            <a:extLst>
-              <a:ext uri="{FF2B5EF4-FFF2-40B4-BE49-F238E27FC236}">
-                <a16:creationId xmlns:a16="http://schemas.microsoft.com/office/drawing/2014/main" id="{9AC6D899-3E67-1F64-E0CD-1AA1F094BC77}"/>
-              </a:ext>
-            </a:extLst>
-          </p:cNvPr>
+          <p:cNvPr id="6" name="Content Placeholder 5"/>
           <p:cNvSpPr>
             <a:spLocks noGrp="1"/>
           </p:cNvSpPr>
@@ -1744,13 +2008,49 @@
         </p:nvSpPr>
         <p:spPr>
           <a:xfrm>
-            <a:off x="6172200" y="2505075"/>
-            <a:ext cx="5183188" cy="3684588"/>
-          </a:xfrm>
-        </p:spPr>
-        <p:txBody>
-          <a:bodyPr/>
-          <a:lstStyle/>
+            <a:off x="6525014" y="3305207"/>
+            <a:ext cx="4443984" cy="2562193"/>
+          </a:xfrm>
+        </p:spPr>
+        <p:txBody>
+          <a:bodyPr/>
+          <a:lstStyle>
+            <a:lvl1pPr>
+              <a:defRPr baseline="0">
+                <a:solidFill>
+                  <a:schemeClr val="tx2"/>
+                </a:solidFill>
+              </a:defRPr>
+            </a:lvl1pPr>
+            <a:lvl2pPr>
+              <a:defRPr baseline="0">
+                <a:solidFill>
+                  <a:schemeClr val="tx2"/>
+                </a:solidFill>
+              </a:defRPr>
+            </a:lvl2pPr>
+            <a:lvl3pPr>
+              <a:defRPr baseline="0">
+                <a:solidFill>
+                  <a:schemeClr val="tx2"/>
+                </a:solidFill>
+              </a:defRPr>
+            </a:lvl3pPr>
+            <a:lvl4pPr>
+              <a:defRPr baseline="0">
+                <a:solidFill>
+                  <a:schemeClr val="tx2"/>
+                </a:solidFill>
+              </a:defRPr>
+            </a:lvl4pPr>
+            <a:lvl5pPr>
+              <a:defRPr baseline="0">
+                <a:solidFill>
+                  <a:schemeClr val="tx2"/>
+                </a:solidFill>
+              </a:defRPr>
+            </a:lvl5pPr>
+          </a:lstStyle>
           <a:p>
             <a:pPr lvl="0"/>
             <a:r>
@@ -1785,18 +2085,13 @@
               <a:rPr lang="fr-FR"/>
               <a:t>Cinquième niveau</a:t>
             </a:r>
-          </a:p>
-        </p:txBody>
-      </p:sp>
-      <p:sp>
-        <p:nvSpPr>
-          <p:cNvPr id="7" name="Espace réservé de la date 6">
-            <a:extLst>
-              <a:ext uri="{FF2B5EF4-FFF2-40B4-BE49-F238E27FC236}">
-                <a16:creationId xmlns:a16="http://schemas.microsoft.com/office/drawing/2014/main" id="{A14F19F9-12C6-42A5-39ED-7DD9BED54AE1}"/>
-              </a:ext>
-            </a:extLst>
-          </p:cNvPr>
+            <a:endParaRPr lang="en-US" dirty="0"/>
+          </a:p>
+        </p:txBody>
+      </p:sp>
+      <p:sp>
+        <p:nvSpPr>
+          <p:cNvPr id="7" name="Date Placeholder 6"/>
           <p:cNvSpPr>
             <a:spLocks noGrp="1"/>
           </p:cNvSpPr>
@@ -1819,13 +2114,7 @@
       </p:sp>
       <p:sp>
         <p:nvSpPr>
-          <p:cNvPr id="8" name="Espace réservé du pied de page 7">
-            <a:extLst>
-              <a:ext uri="{FF2B5EF4-FFF2-40B4-BE49-F238E27FC236}">
-                <a16:creationId xmlns:a16="http://schemas.microsoft.com/office/drawing/2014/main" id="{C01244F0-C108-78EA-B866-6AFA2BEF404D}"/>
-              </a:ext>
-            </a:extLst>
-          </p:cNvPr>
+          <p:cNvPr id="8" name="Footer Placeholder 7"/>
           <p:cNvSpPr>
             <a:spLocks noGrp="1"/>
           </p:cNvSpPr>
@@ -1844,13 +2133,7 @@
       </p:sp>
       <p:sp>
         <p:nvSpPr>
-          <p:cNvPr id="9" name="Espace réservé du numéro de diapositive 8">
-            <a:extLst>
-              <a:ext uri="{FF2B5EF4-FFF2-40B4-BE49-F238E27FC236}">
-                <a16:creationId xmlns:a16="http://schemas.microsoft.com/office/drawing/2014/main" id="{65B54A76-6427-685E-FBAB-3368CE38CD50}"/>
-              </a:ext>
-            </a:extLst>
-          </p:cNvPr>
+          <p:cNvPr id="9" name="Slide Number Placeholder 8"/>
           <p:cNvSpPr>
             <a:spLocks noGrp="1"/>
           </p:cNvSpPr>
@@ -1874,7 +2157,7 @@
     </p:spTree>
     <p:extLst>
       <p:ext uri="{BB962C8B-B14F-4D97-AF65-F5344CB8AC3E}">
-        <p14:creationId xmlns:p14="http://schemas.microsoft.com/office/powerpoint/2010/main" val="1989439864"/>
+        <p14:creationId xmlns:p14="http://schemas.microsoft.com/office/powerpoint/2010/main" val="98981375"/>
       </p:ext>
     </p:extLst>
   </p:cSld>
@@ -1903,13 +2186,7 @@
       </p:grpSpPr>
       <p:sp>
         <p:nvSpPr>
-          <p:cNvPr id="2" name="Titre 1">
-            <a:extLst>
-              <a:ext uri="{FF2B5EF4-FFF2-40B4-BE49-F238E27FC236}">
-                <a16:creationId xmlns:a16="http://schemas.microsoft.com/office/drawing/2014/main" id="{46CED2E2-1CE4-A488-7093-D4060A2FCCC2}"/>
-              </a:ext>
-            </a:extLst>
-          </p:cNvPr>
+          <p:cNvPr id="2" name="Title 1"/>
           <p:cNvSpPr>
             <a:spLocks noGrp="1"/>
           </p:cNvSpPr>
@@ -1926,18 +2203,13 @@
               <a:rPr lang="fr-FR"/>
               <a:t>Modifiez le style du titre</a:t>
             </a:r>
-          </a:p>
-        </p:txBody>
-      </p:sp>
-      <p:sp>
-        <p:nvSpPr>
-          <p:cNvPr id="3" name="Espace réservé de la date 2">
-            <a:extLst>
-              <a:ext uri="{FF2B5EF4-FFF2-40B4-BE49-F238E27FC236}">
-                <a16:creationId xmlns:a16="http://schemas.microsoft.com/office/drawing/2014/main" id="{57285192-E85A-E610-0B99-855D0C89F335}"/>
-              </a:ext>
-            </a:extLst>
-          </p:cNvPr>
+            <a:endParaRPr lang="en-US" dirty="0"/>
+          </a:p>
+        </p:txBody>
+      </p:sp>
+      <p:sp>
+        <p:nvSpPr>
+          <p:cNvPr id="3" name="Date Placeholder 2"/>
           <p:cNvSpPr>
             <a:spLocks noGrp="1"/>
           </p:cNvSpPr>
@@ -1960,13 +2232,7 @@
       </p:sp>
       <p:sp>
         <p:nvSpPr>
-          <p:cNvPr id="4" name="Espace réservé du pied de page 3">
-            <a:extLst>
-              <a:ext uri="{FF2B5EF4-FFF2-40B4-BE49-F238E27FC236}">
-                <a16:creationId xmlns:a16="http://schemas.microsoft.com/office/drawing/2014/main" id="{098BC876-F1DB-279B-6682-7083E85C16E6}"/>
-              </a:ext>
-            </a:extLst>
-          </p:cNvPr>
+          <p:cNvPr id="4" name="Footer Placeholder 3"/>
           <p:cNvSpPr>
             <a:spLocks noGrp="1"/>
           </p:cNvSpPr>
@@ -1985,13 +2251,7 @@
       </p:sp>
       <p:sp>
         <p:nvSpPr>
-          <p:cNvPr id="5" name="Espace réservé du numéro de diapositive 4">
-            <a:extLst>
-              <a:ext uri="{FF2B5EF4-FFF2-40B4-BE49-F238E27FC236}">
-                <a16:creationId xmlns:a16="http://schemas.microsoft.com/office/drawing/2014/main" id="{DF23F297-D404-D0CB-8A66-33D6F2196B86}"/>
-              </a:ext>
-            </a:extLst>
-          </p:cNvPr>
+          <p:cNvPr id="5" name="Slide Number Placeholder 4"/>
           <p:cNvSpPr>
             <a:spLocks noGrp="1"/>
           </p:cNvSpPr>
@@ -2015,7 +2275,7 @@
     </p:spTree>
     <p:extLst>
       <p:ext uri="{BB962C8B-B14F-4D97-AF65-F5344CB8AC3E}">
-        <p14:creationId xmlns:p14="http://schemas.microsoft.com/office/powerpoint/2010/main" val="3035313858"/>
+        <p14:creationId xmlns:p14="http://schemas.microsoft.com/office/powerpoint/2010/main" val="3613492063"/>
       </p:ext>
     </p:extLst>
   </p:cSld>
@@ -2044,13 +2304,7 @@
       </p:grpSpPr>
       <p:sp>
         <p:nvSpPr>
-          <p:cNvPr id="2" name="Espace réservé de la date 1">
-            <a:extLst>
-              <a:ext uri="{FF2B5EF4-FFF2-40B4-BE49-F238E27FC236}">
-                <a16:creationId xmlns:a16="http://schemas.microsoft.com/office/drawing/2014/main" id="{46C06A77-DB09-19CF-6B37-5EDA93786020}"/>
-              </a:ext>
-            </a:extLst>
-          </p:cNvPr>
+          <p:cNvPr id="2" name="Date Placeholder 1"/>
           <p:cNvSpPr>
             <a:spLocks noGrp="1"/>
           </p:cNvSpPr>
@@ -2073,13 +2327,7 @@
       </p:sp>
       <p:sp>
         <p:nvSpPr>
-          <p:cNvPr id="3" name="Espace réservé du pied de page 2">
-            <a:extLst>
-              <a:ext uri="{FF2B5EF4-FFF2-40B4-BE49-F238E27FC236}">
-                <a16:creationId xmlns:a16="http://schemas.microsoft.com/office/drawing/2014/main" id="{D21F656C-40EC-9DDD-3105-94EAE5A438CD}"/>
-              </a:ext>
-            </a:extLst>
-          </p:cNvPr>
+          <p:cNvPr id="3" name="Footer Placeholder 2"/>
           <p:cNvSpPr>
             <a:spLocks noGrp="1"/>
           </p:cNvSpPr>
@@ -2098,13 +2346,7 @@
       </p:sp>
       <p:sp>
         <p:nvSpPr>
-          <p:cNvPr id="4" name="Espace réservé du numéro de diapositive 3">
-            <a:extLst>
-              <a:ext uri="{FF2B5EF4-FFF2-40B4-BE49-F238E27FC236}">
-                <a16:creationId xmlns:a16="http://schemas.microsoft.com/office/drawing/2014/main" id="{2FABF1E4-87A1-C986-371F-D782864F8B5C}"/>
-              </a:ext>
-            </a:extLst>
-          </p:cNvPr>
+          <p:cNvPr id="4" name="Slide Number Placeholder 3"/>
           <p:cNvSpPr>
             <a:spLocks noGrp="1"/>
           </p:cNvSpPr>
@@ -2128,7 +2370,7 @@
     </p:spTree>
     <p:extLst>
       <p:ext uri="{BB962C8B-B14F-4D97-AF65-F5344CB8AC3E}">
-        <p14:creationId xmlns:p14="http://schemas.microsoft.com/office/powerpoint/2010/main" val="819585140"/>
+        <p14:creationId xmlns:p14="http://schemas.microsoft.com/office/powerpoint/2010/main" val="1676195518"/>
       </p:ext>
     </p:extLst>
   </p:cSld>
@@ -2139,7 +2381,7 @@
 </file>
 
 <file path=ppt/slideLayouts/slideLayout8.xml><?xml version="1.0" encoding="utf-8"?>
-<p:sldLayout xmlns:a="http://schemas.openxmlformats.org/drawingml/2006/main" xmlns:r="http://schemas.openxmlformats.org/officeDocument/2006/relationships" xmlns:p="http://schemas.openxmlformats.org/presentationml/2006/main" type="objTx" preserve="1">
+<p:sldLayout xmlns:a="http://schemas.openxmlformats.org/drawingml/2006/main" xmlns:r="http://schemas.openxmlformats.org/officeDocument/2006/relationships" xmlns:p="http://schemas.openxmlformats.org/presentationml/2006/main" showMasterSp="0" type="objTx" preserve="1">
   <p:cSld name="Contenu avec légende">
     <p:spTree>
       <p:nvGrpSpPr>
@@ -2157,13 +2399,45 @@
       </p:grpSpPr>
       <p:sp>
         <p:nvSpPr>
-          <p:cNvPr id="2" name="Titre 1">
-            <a:extLst>
-              <a:ext uri="{FF2B5EF4-FFF2-40B4-BE49-F238E27FC236}">
-                <a16:creationId xmlns:a16="http://schemas.microsoft.com/office/drawing/2014/main" id="{998CD335-ACE9-1700-A1B7-F02037C0A053}"/>
-              </a:ext>
-            </a:extLst>
-          </p:cNvPr>
+          <p:cNvPr id="8" name="Rectangle 7" title="Background Shape"/>
+          <p:cNvSpPr/>
+          <p:nvPr/>
+        </p:nvSpPr>
+        <p:spPr>
+          <a:xfrm>
+            <a:off x="0" y="376"/>
+            <a:ext cx="5303520" cy="6857624"/>
+          </a:xfrm>
+          <a:prstGeom prst="rect">
+            <a:avLst/>
+          </a:prstGeom>
+          <a:solidFill>
+            <a:schemeClr val="accent1"/>
+          </a:solidFill>
+          <a:ln>
+            <a:noFill/>
+          </a:ln>
+        </p:spPr>
+        <p:style>
+          <a:lnRef idx="2">
+            <a:schemeClr val="accent1">
+              <a:shade val="50000"/>
+            </a:schemeClr>
+          </a:lnRef>
+          <a:fillRef idx="1">
+            <a:schemeClr val="accent1"/>
+          </a:fillRef>
+          <a:effectRef idx="0">
+            <a:schemeClr val="accent1"/>
+          </a:effectRef>
+          <a:fontRef idx="minor">
+            <a:schemeClr val="lt1"/>
+          </a:fontRef>
+        </p:style>
+      </p:sp>
+      <p:sp>
+        <p:nvSpPr>
+          <p:cNvPr id="2" name="Title 1"/>
           <p:cNvSpPr>
             <a:spLocks noGrp="1"/>
           </p:cNvSpPr>
@@ -2173,15 +2447,24 @@
         </p:nvSpPr>
         <p:spPr>
           <a:xfrm>
-            <a:off x="839788" y="457200"/>
-            <a:ext cx="3932237" cy="1600200"/>
-          </a:xfrm>
-        </p:spPr>
-        <p:txBody>
-          <a:bodyPr anchor="b"/>
+            <a:off x="723900" y="685800"/>
+            <a:ext cx="3855720" cy="2157884"/>
+          </a:xfrm>
+        </p:spPr>
+        <p:txBody>
+          <a:bodyPr anchor="t">
+            <a:noAutofit/>
+          </a:bodyPr>
           <a:lstStyle>
             <a:lvl1pPr>
-              <a:defRPr sz="3200"/>
+              <a:lnSpc>
+                <a:spcPct val="84000"/>
+              </a:lnSpc>
+              <a:defRPr sz="4800" baseline="0">
+                <a:solidFill>
+                  <a:schemeClr val="tx2"/>
+                </a:solidFill>
+              </a:defRPr>
             </a:lvl1pPr>
           </a:lstStyle>
           <a:p>
@@ -2189,18 +2472,13 @@
               <a:rPr lang="fr-FR"/>
               <a:t>Modifiez le style du titre</a:t>
             </a:r>
-          </a:p>
-        </p:txBody>
-      </p:sp>
-      <p:sp>
-        <p:nvSpPr>
-          <p:cNvPr id="3" name="Espace réservé du contenu 2">
-            <a:extLst>
-              <a:ext uri="{FF2B5EF4-FFF2-40B4-BE49-F238E27FC236}">
-                <a16:creationId xmlns:a16="http://schemas.microsoft.com/office/drawing/2014/main" id="{A3D80973-7C5A-BFC5-CC91-7404E38EA381}"/>
-              </a:ext>
-            </a:extLst>
-          </p:cNvPr>
+            <a:endParaRPr lang="en-US" dirty="0"/>
+          </a:p>
+        </p:txBody>
+      </p:sp>
+      <p:sp>
+        <p:nvSpPr>
+          <p:cNvPr id="3" name="Content Placeholder 2"/>
           <p:cNvSpPr>
             <a:spLocks noGrp="1"/>
           </p:cNvSpPr>
@@ -2210,39 +2488,39 @@
         </p:nvSpPr>
         <p:spPr>
           <a:xfrm>
-            <a:off x="5183188" y="987425"/>
-            <a:ext cx="6172200" cy="4873625"/>
+            <a:off x="6256020" y="685801"/>
+            <a:ext cx="5212080" cy="5175250"/>
           </a:xfrm>
         </p:spPr>
         <p:txBody>
           <a:bodyPr/>
           <a:lstStyle>
             <a:lvl1pPr>
-              <a:defRPr sz="3200"/>
+              <a:defRPr sz="2000"/>
             </a:lvl1pPr>
             <a:lvl2pPr>
-              <a:defRPr sz="2800"/>
+              <a:defRPr sz="2000"/>
             </a:lvl2pPr>
             <a:lvl3pPr>
-              <a:defRPr sz="2400"/>
+              <a:defRPr sz="1800"/>
             </a:lvl3pPr>
             <a:lvl4pPr>
-              <a:defRPr sz="2000"/>
+              <a:defRPr sz="1800"/>
             </a:lvl4pPr>
             <a:lvl5pPr>
-              <a:defRPr sz="2000"/>
+              <a:defRPr sz="1600"/>
             </a:lvl5pPr>
             <a:lvl6pPr>
-              <a:defRPr sz="2000"/>
+              <a:defRPr sz="1600"/>
             </a:lvl6pPr>
             <a:lvl7pPr>
-              <a:defRPr sz="2000"/>
+              <a:defRPr sz="1600"/>
             </a:lvl7pPr>
             <a:lvl8pPr>
-              <a:defRPr sz="2000"/>
+              <a:defRPr sz="1600"/>
             </a:lvl8pPr>
             <a:lvl9pPr>
-              <a:defRPr sz="2000"/>
+              <a:defRPr sz="1600"/>
             </a:lvl9pPr>
           </a:lstStyle>
           <a:p>
@@ -2279,18 +2557,13 @@
               <a:rPr lang="fr-FR"/>
               <a:t>Cinquième niveau</a:t>
             </a:r>
-          </a:p>
-        </p:txBody>
-      </p:sp>
-      <p:sp>
-        <p:nvSpPr>
-          <p:cNvPr id="4" name="Espace réservé du texte 3">
-            <a:extLst>
-              <a:ext uri="{FF2B5EF4-FFF2-40B4-BE49-F238E27FC236}">
-                <a16:creationId xmlns:a16="http://schemas.microsoft.com/office/drawing/2014/main" id="{B2489ED9-8DF9-3ABE-F79D-626492F558D4}"/>
-              </a:ext>
-            </a:extLst>
-          </p:cNvPr>
+            <a:endParaRPr lang="en-US" dirty="0"/>
+          </a:p>
+        </p:txBody>
+      </p:sp>
+      <p:sp>
+        <p:nvSpPr>
+          <p:cNvPr id="4" name="Text Placeholder 3"/>
           <p:cNvSpPr>
             <a:spLocks noGrp="1"/>
           </p:cNvSpPr>
@@ -2300,14 +2573,23 @@
         </p:nvSpPr>
         <p:spPr>
           <a:xfrm>
-            <a:off x="839788" y="2057400"/>
-            <a:ext cx="3932237" cy="3811588"/>
+            <a:off x="723900" y="2856344"/>
+            <a:ext cx="3855720" cy="3011056"/>
           </a:xfrm>
         </p:spPr>
         <p:txBody>
           <a:bodyPr/>
           <a:lstStyle>
             <a:lvl1pPr marL="0" indent="0">
+              <a:lnSpc>
+                <a:spcPct val="113000"/>
+              </a:lnSpc>
+              <a:spcBef>
+                <a:spcPts val="0"/>
+              </a:spcBef>
+              <a:spcAft>
+                <a:spcPts val="1500"/>
+              </a:spcAft>
               <a:buNone/>
               <a:defRPr sz="1600"/>
             </a:lvl1pPr>
@@ -2355,13 +2637,7 @@
       </p:sp>
       <p:sp>
         <p:nvSpPr>
-          <p:cNvPr id="5" name="Espace réservé de la date 4">
-            <a:extLst>
-              <a:ext uri="{FF2B5EF4-FFF2-40B4-BE49-F238E27FC236}">
-                <a16:creationId xmlns:a16="http://schemas.microsoft.com/office/drawing/2014/main" id="{E84DCC34-2991-8ECA-F2B3-7142AB132791}"/>
-              </a:ext>
-            </a:extLst>
-          </p:cNvPr>
+          <p:cNvPr id="5" name="Date Placeholder 4"/>
           <p:cNvSpPr>
             <a:spLocks noGrp="1"/>
           </p:cNvSpPr>
@@ -2369,10 +2645,23 @@
             <p:ph type="dt" sz="half" idx="10"/>
           </p:nvPr>
         </p:nvSpPr>
-        <p:spPr/>
-        <p:txBody>
-          <a:bodyPr/>
-          <a:lstStyle/>
+        <p:spPr>
+          <a:xfrm>
+            <a:off x="723900" y="6453386"/>
+            <a:ext cx="1204572" cy="404614"/>
+          </a:xfrm>
+        </p:spPr>
+        <p:txBody>
+          <a:bodyPr/>
+          <a:lstStyle>
+            <a:lvl1pPr>
+              <a:defRPr>
+                <a:solidFill>
+                  <a:schemeClr val="tx2"/>
+                </a:solidFill>
+              </a:defRPr>
+            </a:lvl1pPr>
+          </a:lstStyle>
           <a:p>
             <a:fld id="{981B849D-0B7F-4C5F-8605-4847C32E2ACB}" type="datetimeFigureOut">
               <a:rPr lang="fr-FR" smtClean="0"/>
@@ -2384,13 +2673,7 @@
       </p:sp>
       <p:sp>
         <p:nvSpPr>
-          <p:cNvPr id="6" name="Espace réservé du pied de page 5">
-            <a:extLst>
-              <a:ext uri="{FF2B5EF4-FFF2-40B4-BE49-F238E27FC236}">
-                <a16:creationId xmlns:a16="http://schemas.microsoft.com/office/drawing/2014/main" id="{4593295D-F935-529F-77C3-4376852D324F}"/>
-              </a:ext>
-            </a:extLst>
-          </p:cNvPr>
+          <p:cNvPr id="6" name="Footer Placeholder 5"/>
           <p:cNvSpPr>
             <a:spLocks noGrp="1"/>
           </p:cNvSpPr>
@@ -2398,10 +2681,23 @@
             <p:ph type="ftr" sz="quarter" idx="11"/>
           </p:nvPr>
         </p:nvSpPr>
-        <p:spPr/>
-        <p:txBody>
-          <a:bodyPr/>
-          <a:lstStyle/>
+        <p:spPr>
+          <a:xfrm>
+            <a:off x="2205945" y="6453386"/>
+            <a:ext cx="2373675" cy="404614"/>
+          </a:xfrm>
+        </p:spPr>
+        <p:txBody>
+          <a:bodyPr/>
+          <a:lstStyle>
+            <a:lvl1pPr>
+              <a:defRPr>
+                <a:solidFill>
+                  <a:schemeClr val="tx2"/>
+                </a:solidFill>
+              </a:defRPr>
+            </a:lvl1pPr>
+          </a:lstStyle>
           <a:p>
             <a:endParaRPr lang="fr-FR"/>
           </a:p>
@@ -2409,13 +2705,7 @@
       </p:sp>
       <p:sp>
         <p:nvSpPr>
-          <p:cNvPr id="7" name="Espace réservé du numéro de diapositive 6">
-            <a:extLst>
-              <a:ext uri="{FF2B5EF4-FFF2-40B4-BE49-F238E27FC236}">
-                <a16:creationId xmlns:a16="http://schemas.microsoft.com/office/drawing/2014/main" id="{356B8876-5762-42F4-1B5C-2F75FB516DF7}"/>
-              </a:ext>
-            </a:extLst>
-          </p:cNvPr>
+          <p:cNvPr id="7" name="Slide Number Placeholder 6"/>
           <p:cNvSpPr>
             <a:spLocks noGrp="1"/>
           </p:cNvSpPr>
@@ -2423,10 +2713,23 @@
             <p:ph type="sldNum" sz="quarter" idx="12"/>
           </p:nvPr>
         </p:nvSpPr>
-        <p:spPr/>
-        <p:txBody>
-          <a:bodyPr/>
-          <a:lstStyle/>
+        <p:spPr>
+          <a:xfrm>
+            <a:off x="9883140" y="6453386"/>
+            <a:ext cx="1596292" cy="404614"/>
+          </a:xfrm>
+        </p:spPr>
+        <p:txBody>
+          <a:bodyPr/>
+          <a:lstStyle>
+            <a:lvl1pPr>
+              <a:defRPr>
+                <a:solidFill>
+                  <a:schemeClr val="tx2"/>
+                </a:solidFill>
+              </a:defRPr>
+            </a:lvl1pPr>
+          </a:lstStyle>
           <a:p>
             <a:fld id="{AD2A5D94-8A30-4D66-A5EA-6DC300F4D27E}" type="slidenum">
               <a:rPr lang="fr-FR" smtClean="0"/>
@@ -2436,10 +2739,48 @@
           </a:p>
         </p:txBody>
       </p:sp>
+      <p:sp>
+        <p:nvSpPr>
+          <p:cNvPr id="9" name="Rectangle 8" title="Divider Bar"/>
+          <p:cNvSpPr/>
+          <p:nvPr/>
+        </p:nvSpPr>
+        <p:spPr>
+          <a:xfrm>
+            <a:off x="5303520" y="376"/>
+            <a:ext cx="228600" cy="6858000"/>
+          </a:xfrm>
+          <a:prstGeom prst="rect">
+            <a:avLst/>
+          </a:prstGeom>
+          <a:solidFill>
+            <a:schemeClr val="tx2"/>
+          </a:solidFill>
+          <a:ln>
+            <a:noFill/>
+          </a:ln>
+        </p:spPr>
+        <p:style>
+          <a:lnRef idx="2">
+            <a:schemeClr val="accent1">
+              <a:shade val="50000"/>
+            </a:schemeClr>
+          </a:lnRef>
+          <a:fillRef idx="1">
+            <a:schemeClr val="accent1"/>
+          </a:fillRef>
+          <a:effectRef idx="0">
+            <a:schemeClr val="accent1"/>
+          </a:effectRef>
+          <a:fontRef idx="minor">
+            <a:schemeClr val="lt1"/>
+          </a:fontRef>
+        </p:style>
+      </p:sp>
     </p:spTree>
     <p:extLst>
       <p:ext uri="{BB962C8B-B14F-4D97-AF65-F5344CB8AC3E}">
-        <p14:creationId xmlns:p14="http://schemas.microsoft.com/office/powerpoint/2010/main" val="1772810342"/>
+        <p14:creationId xmlns:p14="http://schemas.microsoft.com/office/powerpoint/2010/main" val="2366426267"/>
       </p:ext>
     </p:extLst>
   </p:cSld>
@@ -2450,7 +2791,7 @@
 </file>
 
 <file path=ppt/slideLayouts/slideLayout9.xml><?xml version="1.0" encoding="utf-8"?>
-<p:sldLayout xmlns:a="http://schemas.openxmlformats.org/drawingml/2006/main" xmlns:r="http://schemas.openxmlformats.org/officeDocument/2006/relationships" xmlns:p="http://schemas.openxmlformats.org/presentationml/2006/main" type="picTx" preserve="1">
+<p:sldLayout xmlns:a="http://schemas.openxmlformats.org/drawingml/2006/main" xmlns:r="http://schemas.openxmlformats.org/officeDocument/2006/relationships" xmlns:p="http://schemas.openxmlformats.org/presentationml/2006/main" showMasterSp="0" type="picTx" preserve="1">
   <p:cSld name="Image avec légende">
     <p:spTree>
       <p:nvGrpSpPr>
@@ -2468,13 +2809,45 @@
       </p:grpSpPr>
       <p:sp>
         <p:nvSpPr>
-          <p:cNvPr id="2" name="Titre 1">
-            <a:extLst>
-              <a:ext uri="{FF2B5EF4-FFF2-40B4-BE49-F238E27FC236}">
-                <a16:creationId xmlns:a16="http://schemas.microsoft.com/office/drawing/2014/main" id="{213ED71E-F49D-2408-7DCD-5E972CA6C10C}"/>
-              </a:ext>
-            </a:extLst>
-          </p:cNvPr>
+          <p:cNvPr id="8" name="Rectangle 7" title="Background Shape"/>
+          <p:cNvSpPr/>
+          <p:nvPr/>
+        </p:nvSpPr>
+        <p:spPr>
+          <a:xfrm>
+            <a:off x="0" y="376"/>
+            <a:ext cx="5303520" cy="6857624"/>
+          </a:xfrm>
+          <a:prstGeom prst="rect">
+            <a:avLst/>
+          </a:prstGeom>
+          <a:solidFill>
+            <a:schemeClr val="accent1"/>
+          </a:solidFill>
+          <a:ln>
+            <a:noFill/>
+          </a:ln>
+        </p:spPr>
+        <p:style>
+          <a:lnRef idx="2">
+            <a:schemeClr val="accent1">
+              <a:shade val="50000"/>
+            </a:schemeClr>
+          </a:lnRef>
+          <a:fillRef idx="1">
+            <a:schemeClr val="accent1"/>
+          </a:fillRef>
+          <a:effectRef idx="0">
+            <a:schemeClr val="accent1"/>
+          </a:effectRef>
+          <a:fontRef idx="minor">
+            <a:schemeClr val="lt1"/>
+          </a:fontRef>
+        </p:style>
+      </p:sp>
+      <p:sp>
+        <p:nvSpPr>
+          <p:cNvPr id="2" name="Title 1"/>
           <p:cNvSpPr>
             <a:spLocks noGrp="1"/>
           </p:cNvSpPr>
@@ -2484,15 +2857,20 @@
         </p:nvSpPr>
         <p:spPr>
           <a:xfrm>
-            <a:off x="839788" y="457200"/>
-            <a:ext cx="3932237" cy="1600200"/>
-          </a:xfrm>
-        </p:spPr>
-        <p:txBody>
-          <a:bodyPr anchor="b"/>
+            <a:off x="723900" y="685800"/>
+            <a:ext cx="3855720" cy="2157884"/>
+          </a:xfrm>
+        </p:spPr>
+        <p:txBody>
+          <a:bodyPr anchor="t">
+            <a:normAutofit/>
+          </a:bodyPr>
           <a:lstStyle>
             <a:lvl1pPr>
-              <a:defRPr sz="3200"/>
+              <a:lnSpc>
+                <a:spcPct val="84000"/>
+              </a:lnSpc>
+              <a:defRPr sz="4800" baseline="0"/>
             </a:lvl1pPr>
           </a:lstStyle>
           <a:p>
@@ -2500,20 +2878,15 @@
               <a:rPr lang="fr-FR"/>
               <a:t>Modifiez le style du titre</a:t>
             </a:r>
-          </a:p>
-        </p:txBody>
-      </p:sp>
-      <p:sp>
-        <p:nvSpPr>
-          <p:cNvPr id="3" name="Espace réservé pour une image  2">
-            <a:extLst>
-              <a:ext uri="{FF2B5EF4-FFF2-40B4-BE49-F238E27FC236}">
-                <a16:creationId xmlns:a16="http://schemas.microsoft.com/office/drawing/2014/main" id="{D7E2380C-48CF-6705-106A-6F63802CC924}"/>
-              </a:ext>
-            </a:extLst>
-          </p:cNvPr>
-          <p:cNvSpPr>
-            <a:spLocks noGrp="1"/>
+            <a:endParaRPr lang="en-US" dirty="0"/>
+          </a:p>
+        </p:txBody>
+      </p:sp>
+      <p:sp>
+        <p:nvSpPr>
+          <p:cNvPr id="3" name="Picture Placeholder 2"/>
+          <p:cNvSpPr>
+            <a:spLocks noGrp="1" noChangeAspect="1"/>
           </p:cNvSpPr>
           <p:nvPr>
             <p:ph type="pic" idx="1"/>
@@ -2521,24 +2894,26 @@
         </p:nvSpPr>
         <p:spPr>
           <a:xfrm>
-            <a:off x="5183188" y="987425"/>
-            <a:ext cx="6172200" cy="4873625"/>
-          </a:xfrm>
-        </p:spPr>
-        <p:txBody>
-          <a:bodyPr/>
+            <a:off x="5532120" y="0"/>
+            <a:ext cx="6659880" cy="6857999"/>
+          </a:xfrm>
+        </p:spPr>
+        <p:txBody>
+          <a:bodyPr anchor="t">
+            <a:normAutofit/>
+          </a:bodyPr>
           <a:lstStyle>
             <a:lvl1pPr marL="0" indent="0">
               <a:buNone/>
-              <a:defRPr sz="3200"/>
+              <a:defRPr sz="2000"/>
             </a:lvl1pPr>
             <a:lvl2pPr marL="457200" indent="0">
               <a:buNone/>
-              <a:defRPr sz="2800"/>
+              <a:defRPr sz="2000"/>
             </a:lvl2pPr>
             <a:lvl3pPr marL="914400" indent="0">
               <a:buNone/>
-              <a:defRPr sz="2400"/>
+              <a:defRPr sz="2000"/>
             </a:lvl3pPr>
             <a:lvl4pPr marL="1371600" indent="0">
               <a:buNone/>
@@ -2566,19 +2941,17 @@
             </a:lvl9pPr>
           </a:lstStyle>
           <a:p>
-            <a:endParaRPr lang="fr-FR"/>
-          </a:p>
-        </p:txBody>
-      </p:sp>
-      <p:sp>
-        <p:nvSpPr>
-          <p:cNvPr id="4" name="Espace réservé du texte 3">
-            <a:extLst>
-              <a:ext uri="{FF2B5EF4-FFF2-40B4-BE49-F238E27FC236}">
-                <a16:creationId xmlns:a16="http://schemas.microsoft.com/office/drawing/2014/main" id="{26AADEFD-920D-D30B-D380-7BBAEBD677B7}"/>
-              </a:ext>
-            </a:extLst>
-          </p:cNvPr>
+            <a:r>
+              <a:rPr lang="fr-FR"/>
+              <a:t>Cliquez sur l'icône pour ajouter une image</a:t>
+            </a:r>
+            <a:endParaRPr lang="en-US" dirty="0"/>
+          </a:p>
+        </p:txBody>
+      </p:sp>
+      <p:sp>
+        <p:nvSpPr>
+          <p:cNvPr id="4" name="Text Placeholder 3"/>
           <p:cNvSpPr>
             <a:spLocks noGrp="1"/>
           </p:cNvSpPr>
@@ -2588,14 +2961,23 @@
         </p:nvSpPr>
         <p:spPr>
           <a:xfrm>
-            <a:off x="839788" y="2057400"/>
-            <a:ext cx="3932237" cy="3811588"/>
+            <a:off x="723900" y="2855968"/>
+            <a:ext cx="3855720" cy="3011432"/>
           </a:xfrm>
         </p:spPr>
         <p:txBody>
           <a:bodyPr/>
           <a:lstStyle>
             <a:lvl1pPr marL="0" indent="0">
+              <a:lnSpc>
+                <a:spcPct val="113000"/>
+              </a:lnSpc>
+              <a:spcBef>
+                <a:spcPts val="0"/>
+              </a:spcBef>
+              <a:spcAft>
+                <a:spcPts val="1500"/>
+              </a:spcAft>
               <a:buNone/>
               <a:defRPr sz="1600"/>
             </a:lvl1pPr>
@@ -2643,13 +3025,7 @@
       </p:sp>
       <p:sp>
         <p:nvSpPr>
-          <p:cNvPr id="5" name="Espace réservé de la date 4">
-            <a:extLst>
-              <a:ext uri="{FF2B5EF4-FFF2-40B4-BE49-F238E27FC236}">
-                <a16:creationId xmlns:a16="http://schemas.microsoft.com/office/drawing/2014/main" id="{5F1988AA-5809-4DCF-2991-B754D8D92B48}"/>
-              </a:ext>
-            </a:extLst>
-          </p:cNvPr>
+          <p:cNvPr id="5" name="Date Placeholder 4"/>
           <p:cNvSpPr>
             <a:spLocks noGrp="1"/>
           </p:cNvSpPr>
@@ -2657,10 +3033,23 @@
             <p:ph type="dt" sz="half" idx="10"/>
           </p:nvPr>
         </p:nvSpPr>
-        <p:spPr/>
-        <p:txBody>
-          <a:bodyPr/>
-          <a:lstStyle/>
+        <p:spPr>
+          <a:xfrm>
+            <a:off x="723900" y="6453386"/>
+            <a:ext cx="1204572" cy="404614"/>
+          </a:xfrm>
+        </p:spPr>
+        <p:txBody>
+          <a:bodyPr/>
+          <a:lstStyle>
+            <a:lvl1pPr>
+              <a:defRPr>
+                <a:solidFill>
+                  <a:schemeClr val="tx2"/>
+                </a:solidFill>
+              </a:defRPr>
+            </a:lvl1pPr>
+          </a:lstStyle>
           <a:p>
             <a:fld id="{981B849D-0B7F-4C5F-8605-4847C32E2ACB}" type="datetimeFigureOut">
               <a:rPr lang="fr-FR" smtClean="0"/>
@@ -2672,13 +3061,7 @@
       </p:sp>
       <p:sp>
         <p:nvSpPr>
-          <p:cNvPr id="6" name="Espace réservé du pied de page 5">
-            <a:extLst>
-              <a:ext uri="{FF2B5EF4-FFF2-40B4-BE49-F238E27FC236}">
-                <a16:creationId xmlns:a16="http://schemas.microsoft.com/office/drawing/2014/main" id="{7F7091CF-618F-D735-7221-842720AE8427}"/>
-              </a:ext>
-            </a:extLst>
-          </p:cNvPr>
+          <p:cNvPr id="6" name="Footer Placeholder 5"/>
           <p:cNvSpPr>
             <a:spLocks noGrp="1"/>
           </p:cNvSpPr>
@@ -2686,10 +3069,23 @@
             <p:ph type="ftr" sz="quarter" idx="11"/>
           </p:nvPr>
         </p:nvSpPr>
-        <p:spPr/>
-        <p:txBody>
-          <a:bodyPr/>
-          <a:lstStyle/>
+        <p:spPr>
+          <a:xfrm>
+            <a:off x="2205945" y="6453386"/>
+            <a:ext cx="2373675" cy="404614"/>
+          </a:xfrm>
+        </p:spPr>
+        <p:txBody>
+          <a:bodyPr/>
+          <a:lstStyle>
+            <a:lvl1pPr>
+              <a:defRPr>
+                <a:solidFill>
+                  <a:schemeClr val="tx2"/>
+                </a:solidFill>
+              </a:defRPr>
+            </a:lvl1pPr>
+          </a:lstStyle>
           <a:p>
             <a:endParaRPr lang="fr-FR"/>
           </a:p>
@@ -2697,13 +3093,7 @@
       </p:sp>
       <p:sp>
         <p:nvSpPr>
-          <p:cNvPr id="7" name="Espace réservé du numéro de diapositive 6">
-            <a:extLst>
-              <a:ext uri="{FF2B5EF4-FFF2-40B4-BE49-F238E27FC236}">
-                <a16:creationId xmlns:a16="http://schemas.microsoft.com/office/drawing/2014/main" id="{EAD74AAE-46C8-0CBE-AF38-267F36DDE184}"/>
-              </a:ext>
-            </a:extLst>
-          </p:cNvPr>
+          <p:cNvPr id="7" name="Slide Number Placeholder 6"/>
           <p:cNvSpPr>
             <a:spLocks noGrp="1"/>
           </p:cNvSpPr>
@@ -2711,10 +3101,23 @@
             <p:ph type="sldNum" sz="quarter" idx="12"/>
           </p:nvPr>
         </p:nvSpPr>
-        <p:spPr/>
-        <p:txBody>
-          <a:bodyPr/>
-          <a:lstStyle/>
+        <p:spPr>
+          <a:xfrm>
+            <a:off x="9883140" y="6453386"/>
+            <a:ext cx="1596292" cy="404614"/>
+          </a:xfrm>
+        </p:spPr>
+        <p:txBody>
+          <a:bodyPr/>
+          <a:lstStyle>
+            <a:lvl1pPr>
+              <a:defRPr>
+                <a:solidFill>
+                  <a:schemeClr val="tx2"/>
+                </a:solidFill>
+              </a:defRPr>
+            </a:lvl1pPr>
+          </a:lstStyle>
           <a:p>
             <a:fld id="{AD2A5D94-8A30-4D66-A5EA-6DC300F4D27E}" type="slidenum">
               <a:rPr lang="fr-FR" smtClean="0"/>
@@ -2724,10 +3127,48 @@
           </a:p>
         </p:txBody>
       </p:sp>
+      <p:sp>
+        <p:nvSpPr>
+          <p:cNvPr id="9" name="Rectangle 8" title="Divider Bar"/>
+          <p:cNvSpPr/>
+          <p:nvPr/>
+        </p:nvSpPr>
+        <p:spPr>
+          <a:xfrm>
+            <a:off x="5303520" y="376"/>
+            <a:ext cx="228600" cy="6858000"/>
+          </a:xfrm>
+          <a:prstGeom prst="rect">
+            <a:avLst/>
+          </a:prstGeom>
+          <a:solidFill>
+            <a:schemeClr val="tx2"/>
+          </a:solidFill>
+          <a:ln>
+            <a:noFill/>
+          </a:ln>
+        </p:spPr>
+        <p:style>
+          <a:lnRef idx="2">
+            <a:schemeClr val="accent1">
+              <a:shade val="50000"/>
+            </a:schemeClr>
+          </a:lnRef>
+          <a:fillRef idx="1">
+            <a:schemeClr val="accent1"/>
+          </a:fillRef>
+          <a:effectRef idx="0">
+            <a:schemeClr val="accent1"/>
+          </a:effectRef>
+          <a:fontRef idx="minor">
+            <a:schemeClr val="lt1"/>
+          </a:fontRef>
+        </p:style>
+      </p:sp>
     </p:spTree>
     <p:extLst>
       <p:ext uri="{BB962C8B-B14F-4D97-AF65-F5344CB8AC3E}">
-        <p14:creationId xmlns:p14="http://schemas.microsoft.com/office/powerpoint/2010/main" val="2573066327"/>
+        <p14:creationId xmlns:p14="http://schemas.microsoft.com/office/powerpoint/2010/main" val="1905514251"/>
       </p:ext>
     </p:extLst>
   </p:cSld>
@@ -2741,9 +3182,12 @@
 <p:sldMaster xmlns:a="http://schemas.openxmlformats.org/drawingml/2006/main" xmlns:r="http://schemas.openxmlformats.org/officeDocument/2006/relationships" xmlns:p="http://schemas.openxmlformats.org/presentationml/2006/main">
   <p:cSld>
     <p:bg>
-      <p:bgRef idx="1001">
-        <a:schemeClr val="bg1"/>
-      </p:bgRef>
+      <p:bgPr>
+        <a:solidFill>
+          <a:schemeClr val="bg2"/>
+        </a:solidFill>
+        <a:effectLst/>
+      </p:bgPr>
     </p:bg>
     <p:spTree>
       <p:nvGrpSpPr>
@@ -2761,13 +3205,7 @@
       </p:grpSpPr>
       <p:sp>
         <p:nvSpPr>
-          <p:cNvPr id="2" name="Espace réservé du titre 1">
-            <a:extLst>
-              <a:ext uri="{FF2B5EF4-FFF2-40B4-BE49-F238E27FC236}">
-                <a16:creationId xmlns:a16="http://schemas.microsoft.com/office/drawing/2014/main" id="{3C0BF24D-C528-46B2-ED78-8B77304E1B99}"/>
-              </a:ext>
-            </a:extLst>
-          </p:cNvPr>
+          <p:cNvPr id="2" name="Title Placeholder 1"/>
           <p:cNvSpPr>
             <a:spLocks noGrp="1"/>
           </p:cNvSpPr>
@@ -2777,15 +3215,15 @@
         </p:nvSpPr>
         <p:spPr>
           <a:xfrm>
-            <a:off x="838200" y="365125"/>
-            <a:ext cx="10515600" cy="1325563"/>
+            <a:off x="1371600" y="685800"/>
+            <a:ext cx="9601200" cy="1485900"/>
           </a:xfrm>
           <a:prstGeom prst="rect">
             <a:avLst/>
           </a:prstGeom>
         </p:spPr>
         <p:txBody>
-          <a:bodyPr vert="horz" lIns="91440" tIns="45720" rIns="91440" bIns="45720" rtlCol="0" anchor="ctr">
+          <a:bodyPr vert="horz" lIns="91440" tIns="45720" rIns="91440" bIns="45720" rtlCol="0" anchor="t">
             <a:normAutofit/>
           </a:bodyPr>
           <a:lstStyle/>
@@ -2794,18 +3232,13 @@
               <a:rPr lang="fr-FR"/>
               <a:t>Modifiez le style du titre</a:t>
             </a:r>
-          </a:p>
-        </p:txBody>
-      </p:sp>
-      <p:sp>
-        <p:nvSpPr>
-          <p:cNvPr id="3" name="Espace réservé du texte 2">
-            <a:extLst>
-              <a:ext uri="{FF2B5EF4-FFF2-40B4-BE49-F238E27FC236}">
-                <a16:creationId xmlns:a16="http://schemas.microsoft.com/office/drawing/2014/main" id="{D8D54EF4-089E-36BA-B195-A9E605640179}"/>
-              </a:ext>
-            </a:extLst>
-          </p:cNvPr>
+            <a:endParaRPr lang="en-US" dirty="0"/>
+          </a:p>
+        </p:txBody>
+      </p:sp>
+      <p:sp>
+        <p:nvSpPr>
+          <p:cNvPr id="3" name="Text Placeholder 2"/>
           <p:cNvSpPr>
             <a:spLocks noGrp="1"/>
           </p:cNvSpPr>
@@ -2815,8 +3248,8 @@
         </p:nvSpPr>
         <p:spPr>
           <a:xfrm>
-            <a:off x="838200" y="1825625"/>
-            <a:ext cx="10515600" cy="4351338"/>
+            <a:off x="1371600" y="2286000"/>
+            <a:ext cx="9601200" cy="3581400"/>
           </a:xfrm>
           <a:prstGeom prst="rect">
             <a:avLst/>
@@ -2861,18 +3294,13 @@
               <a:rPr lang="fr-FR"/>
               <a:t>Cinquième niveau</a:t>
             </a:r>
-          </a:p>
-        </p:txBody>
-      </p:sp>
-      <p:sp>
-        <p:nvSpPr>
-          <p:cNvPr id="4" name="Espace réservé de la date 3">
-            <a:extLst>
-              <a:ext uri="{FF2B5EF4-FFF2-40B4-BE49-F238E27FC236}">
-                <a16:creationId xmlns:a16="http://schemas.microsoft.com/office/drawing/2014/main" id="{A23CEFFE-0338-BD38-82B3-B21D8EFED6B8}"/>
-              </a:ext>
-            </a:extLst>
-          </p:cNvPr>
+            <a:endParaRPr lang="en-US" dirty="0"/>
+          </a:p>
+        </p:txBody>
+      </p:sp>
+      <p:sp>
+        <p:nvSpPr>
+          <p:cNvPr id="4" name="Date Placeholder 3"/>
           <p:cNvSpPr>
             <a:spLocks noGrp="1"/>
           </p:cNvSpPr>
@@ -2882,8 +3310,8 @@
         </p:nvSpPr>
         <p:spPr>
           <a:xfrm>
-            <a:off x="838200" y="6356350"/>
-            <a:ext cx="2743200" cy="365125"/>
+            <a:off x="1390650" y="6453386"/>
+            <a:ext cx="1204572" cy="404614"/>
           </a:xfrm>
           <a:prstGeom prst="rect">
             <a:avLst/>
@@ -2893,11 +3321,9 @@
           <a:bodyPr vert="horz" lIns="91440" tIns="45720" rIns="91440" bIns="45720" rtlCol="0" anchor="ctr"/>
           <a:lstStyle>
             <a:lvl1pPr algn="l">
-              <a:defRPr sz="1200">
-                <a:solidFill>
-                  <a:schemeClr val="tx1">
-                    <a:tint val="75000"/>
-                  </a:schemeClr>
+              <a:defRPr sz="1200" baseline="0">
+                <a:solidFill>
+                  <a:schemeClr val="tx2"/>
                 </a:solidFill>
               </a:defRPr>
             </a:lvl1pPr>
@@ -2913,13 +3339,7 @@
       </p:sp>
       <p:sp>
         <p:nvSpPr>
-          <p:cNvPr id="5" name="Espace réservé du pied de page 4">
-            <a:extLst>
-              <a:ext uri="{FF2B5EF4-FFF2-40B4-BE49-F238E27FC236}">
-                <a16:creationId xmlns:a16="http://schemas.microsoft.com/office/drawing/2014/main" id="{8B03E8A7-DF3C-3E7A-FD0C-F4AAFDF38844}"/>
-              </a:ext>
-            </a:extLst>
-          </p:cNvPr>
+          <p:cNvPr id="5" name="Footer Placeholder 4"/>
           <p:cNvSpPr>
             <a:spLocks noGrp="1"/>
           </p:cNvSpPr>
@@ -2929,8 +3349,8 @@
         </p:nvSpPr>
         <p:spPr>
           <a:xfrm>
-            <a:off x="4038600" y="6356350"/>
-            <a:ext cx="4114800" cy="365125"/>
+            <a:off x="2893564" y="6453386"/>
+            <a:ext cx="6280830" cy="404614"/>
           </a:xfrm>
           <a:prstGeom prst="rect">
             <a:avLst/>
@@ -2939,12 +3359,10 @@
         <p:txBody>
           <a:bodyPr vert="horz" lIns="91440" tIns="45720" rIns="91440" bIns="45720" rtlCol="0" anchor="ctr"/>
           <a:lstStyle>
-            <a:lvl1pPr algn="ctr">
-              <a:defRPr sz="1200">
-                <a:solidFill>
-                  <a:schemeClr val="tx1">
-                    <a:tint val="75000"/>
-                  </a:schemeClr>
+            <a:lvl1pPr algn="l">
+              <a:defRPr sz="1200" baseline="0">
+                <a:solidFill>
+                  <a:schemeClr val="tx2"/>
                 </a:solidFill>
               </a:defRPr>
             </a:lvl1pPr>
@@ -2956,13 +3374,7 @@
       </p:sp>
       <p:sp>
         <p:nvSpPr>
-          <p:cNvPr id="6" name="Espace réservé du numéro de diapositive 5">
-            <a:extLst>
-              <a:ext uri="{FF2B5EF4-FFF2-40B4-BE49-F238E27FC236}">
-                <a16:creationId xmlns:a16="http://schemas.microsoft.com/office/drawing/2014/main" id="{542907E7-8265-AC47-B027-0C31A48A3C96}"/>
-              </a:ext>
-            </a:extLst>
-          </p:cNvPr>
+          <p:cNvPr id="6" name="Slide Number Placeholder 5"/>
           <p:cNvSpPr>
             <a:spLocks noGrp="1"/>
           </p:cNvSpPr>
@@ -2972,8 +3384,8 @@
         </p:nvSpPr>
         <p:spPr>
           <a:xfrm>
-            <a:off x="8610600" y="6356350"/>
-            <a:ext cx="2743200" cy="365125"/>
+            <a:off x="9472736" y="6453386"/>
+            <a:ext cx="1596292" cy="404614"/>
           </a:xfrm>
           <a:prstGeom prst="rect">
             <a:avLst/>
@@ -2983,11 +3395,9 @@
           <a:bodyPr vert="horz" lIns="91440" tIns="45720" rIns="91440" bIns="45720" rtlCol="0" anchor="ctr"/>
           <a:lstStyle>
             <a:lvl1pPr algn="r">
-              <a:defRPr sz="1200">
-                <a:solidFill>
-                  <a:schemeClr val="tx1">
-                    <a:tint val="75000"/>
-                  </a:schemeClr>
+              <a:defRPr sz="1200" baseline="0">
+                <a:solidFill>
+                  <a:schemeClr val="tx2"/>
                 </a:solidFill>
               </a:defRPr>
             </a:lvl1pPr>
@@ -3001,40 +3411,78 @@
           </a:p>
         </p:txBody>
       </p:sp>
+      <p:sp>
+        <p:nvSpPr>
+          <p:cNvPr id="9" name="Rectangle 8" title="Side bar"/>
+          <p:cNvSpPr/>
+          <p:nvPr/>
+        </p:nvSpPr>
+        <p:spPr>
+          <a:xfrm>
+            <a:off x="478095" y="376"/>
+            <a:ext cx="228600" cy="6858000"/>
+          </a:xfrm>
+          <a:prstGeom prst="rect">
+            <a:avLst/>
+          </a:prstGeom>
+          <a:solidFill>
+            <a:schemeClr val="tx2"/>
+          </a:solidFill>
+          <a:ln>
+            <a:noFill/>
+          </a:ln>
+        </p:spPr>
+        <p:style>
+          <a:lnRef idx="2">
+            <a:schemeClr val="accent1">
+              <a:shade val="50000"/>
+            </a:schemeClr>
+          </a:lnRef>
+          <a:fillRef idx="1">
+            <a:schemeClr val="accent1"/>
+          </a:fillRef>
+          <a:effectRef idx="0">
+            <a:schemeClr val="accent1"/>
+          </a:effectRef>
+          <a:fontRef idx="minor">
+            <a:schemeClr val="lt1"/>
+          </a:fontRef>
+        </p:style>
+      </p:sp>
     </p:spTree>
     <p:extLst>
       <p:ext uri="{BB962C8B-B14F-4D97-AF65-F5344CB8AC3E}">
-        <p14:creationId xmlns:p14="http://schemas.microsoft.com/office/powerpoint/2010/main" val="2920793317"/>
+        <p14:creationId xmlns:p14="http://schemas.microsoft.com/office/powerpoint/2010/main" val="352501497"/>
       </p:ext>
     </p:extLst>
   </p:cSld>
   <p:clrMap bg1="lt1" tx1="dk1" bg2="lt2" tx2="dk2" accent1="accent1" accent2="accent2" accent3="accent3" accent4="accent4" accent5="accent5" accent6="accent6" hlink="hlink" folHlink="folHlink"/>
   <p:sldLayoutIdLst>
-    <p:sldLayoutId id="2147483649" r:id="rId1"/>
-    <p:sldLayoutId id="2147483650" r:id="rId2"/>
-    <p:sldLayoutId id="2147483651" r:id="rId3"/>
-    <p:sldLayoutId id="2147483652" r:id="rId4"/>
-    <p:sldLayoutId id="2147483653" r:id="rId5"/>
-    <p:sldLayoutId id="2147483654" r:id="rId6"/>
-    <p:sldLayoutId id="2147483655" r:id="rId7"/>
-    <p:sldLayoutId id="2147483656" r:id="rId8"/>
-    <p:sldLayoutId id="2147483657" r:id="rId9"/>
-    <p:sldLayoutId id="2147483658" r:id="rId10"/>
-    <p:sldLayoutId id="2147483659" r:id="rId11"/>
+    <p:sldLayoutId id="2147483661" r:id="rId1"/>
+    <p:sldLayoutId id="2147483662" r:id="rId2"/>
+    <p:sldLayoutId id="2147483663" r:id="rId3"/>
+    <p:sldLayoutId id="2147483664" r:id="rId4"/>
+    <p:sldLayoutId id="2147483665" r:id="rId5"/>
+    <p:sldLayoutId id="2147483666" r:id="rId6"/>
+    <p:sldLayoutId id="2147483667" r:id="rId7"/>
+    <p:sldLayoutId id="2147483668" r:id="rId8"/>
+    <p:sldLayoutId id="2147483669" r:id="rId9"/>
+    <p:sldLayoutId id="2147483670" r:id="rId10"/>
+    <p:sldLayoutId id="2147483671" r:id="rId11"/>
   </p:sldLayoutIdLst>
   <p:txStyles>
     <p:titleStyle>
       <a:lvl1pPr algn="l" defTabSz="914400" rtl="0" eaLnBrk="1" latinLnBrk="0" hangingPunct="1">
         <a:lnSpc>
-          <a:spcPct val="90000"/>
+          <a:spcPct val="89000"/>
         </a:lnSpc>
         <a:spcBef>
           <a:spcPct val="0"/>
         </a:spcBef>
         <a:buNone/>
-        <a:defRPr sz="4400" kern="1200">
+        <a:defRPr sz="4400" kern="1200" baseline="0">
           <a:solidFill>
-            <a:schemeClr val="tx1"/>
+            <a:schemeClr val="tx2"/>
           </a:solidFill>
           <a:latin typeface="+mj-lt"/>
           <a:ea typeface="+mj-ea"/>
@@ -3043,162 +3491,189 @@
       </a:lvl1pPr>
     </p:titleStyle>
     <p:bodyStyle>
-      <a:lvl1pPr marL="228600" indent="-228600" algn="l" defTabSz="914400" rtl="0" eaLnBrk="1" latinLnBrk="0" hangingPunct="1">
+      <a:lvl1pPr marL="384048" indent="-384048" algn="l" defTabSz="914400" rtl="0" eaLnBrk="1" latinLnBrk="0" hangingPunct="1">
         <a:lnSpc>
-          <a:spcPct val="90000"/>
+          <a:spcPct val="94000"/>
         </a:lnSpc>
         <a:spcBef>
           <a:spcPts val="1000"/>
         </a:spcBef>
-        <a:buFont typeface="Arial" panose="020B0604020202020204" pitchFamily="34" charset="0"/>
-        <a:buChar char="•"/>
-        <a:defRPr sz="2800" kern="1200">
+        <a:spcAft>
+          <a:spcPts val="200"/>
+        </a:spcAft>
+        <a:buFont typeface="Franklin Gothic Book" panose="020B0503020102020204" pitchFamily="34" charset="0"/>
+        <a:buChar char="■"/>
+        <a:defRPr sz="2000" kern="1200" baseline="0">
           <a:solidFill>
-            <a:schemeClr val="tx1"/>
+            <a:schemeClr val="tx2"/>
           </a:solidFill>
           <a:latin typeface="+mn-lt"/>
           <a:ea typeface="+mn-ea"/>
           <a:cs typeface="+mn-cs"/>
         </a:defRPr>
       </a:lvl1pPr>
-      <a:lvl2pPr marL="685800" indent="-228600" algn="l" defTabSz="914400" rtl="0" eaLnBrk="1" latinLnBrk="0" hangingPunct="1">
+      <a:lvl2pPr marL="914400" indent="-384048" algn="l" defTabSz="914400" rtl="0" eaLnBrk="1" latinLnBrk="0" hangingPunct="1">
         <a:lnSpc>
-          <a:spcPct val="90000"/>
+          <a:spcPct val="94000"/>
         </a:lnSpc>
         <a:spcBef>
           <a:spcPts val="500"/>
         </a:spcBef>
-        <a:buFont typeface="Arial" panose="020B0604020202020204" pitchFamily="34" charset="0"/>
-        <a:buChar char="•"/>
-        <a:defRPr sz="2400" kern="1200">
+        <a:spcAft>
+          <a:spcPts val="200"/>
+        </a:spcAft>
+        <a:buFont typeface="Franklin Gothic Book" panose="020B0503020102020204" pitchFamily="34" charset="0"/>
+        <a:buChar char="–"/>
+        <a:defRPr sz="2000" i="1" kern="1200" baseline="0">
           <a:solidFill>
-            <a:schemeClr val="tx1"/>
+            <a:schemeClr val="tx2"/>
           </a:solidFill>
           <a:latin typeface="+mn-lt"/>
           <a:ea typeface="+mn-ea"/>
           <a:cs typeface="+mn-cs"/>
         </a:defRPr>
       </a:lvl2pPr>
-      <a:lvl3pPr marL="1143000" indent="-228600" algn="l" defTabSz="914400" rtl="0" eaLnBrk="1" latinLnBrk="0" hangingPunct="1">
+      <a:lvl3pPr marL="1371600" indent="-384048" algn="l" defTabSz="914400" rtl="0" eaLnBrk="1" latinLnBrk="0" hangingPunct="1">
         <a:lnSpc>
-          <a:spcPct val="90000"/>
+          <a:spcPct val="94000"/>
         </a:lnSpc>
         <a:spcBef>
           <a:spcPts val="500"/>
         </a:spcBef>
-        <a:buFont typeface="Arial" panose="020B0604020202020204" pitchFamily="34" charset="0"/>
-        <a:buChar char="•"/>
-        <a:defRPr sz="2000" kern="1200">
+        <a:spcAft>
+          <a:spcPts val="200"/>
+        </a:spcAft>
+        <a:buFont typeface="Franklin Gothic Book" panose="020B0503020102020204" pitchFamily="34" charset="0"/>
+        <a:buChar char="■"/>
+        <a:defRPr sz="1800" kern="1200" baseline="0">
           <a:solidFill>
-            <a:schemeClr val="tx1"/>
+            <a:schemeClr val="tx2"/>
           </a:solidFill>
           <a:latin typeface="+mn-lt"/>
           <a:ea typeface="+mn-ea"/>
           <a:cs typeface="+mn-cs"/>
         </a:defRPr>
       </a:lvl3pPr>
-      <a:lvl4pPr marL="1600200" indent="-228600" algn="l" defTabSz="914400" rtl="0" eaLnBrk="1" latinLnBrk="0" hangingPunct="1">
+      <a:lvl4pPr marL="1828800" indent="-384048" algn="l" defTabSz="914400" rtl="0" eaLnBrk="1" latinLnBrk="0" hangingPunct="1">
         <a:lnSpc>
-          <a:spcPct val="90000"/>
+          <a:spcPct val="94000"/>
         </a:lnSpc>
         <a:spcBef>
           <a:spcPts val="500"/>
         </a:spcBef>
-        <a:buFont typeface="Arial" panose="020B0604020202020204" pitchFamily="34" charset="0"/>
-        <a:buChar char="•"/>
-        <a:defRPr sz="1800" kern="1200">
+        <a:spcAft>
+          <a:spcPts val="200"/>
+        </a:spcAft>
+        <a:buFont typeface="Franklin Gothic Book" panose="020B0503020102020204" pitchFamily="34" charset="0"/>
+        <a:buChar char="–"/>
+        <a:defRPr sz="1800" i="1" kern="1200" baseline="0">
           <a:solidFill>
-            <a:schemeClr val="tx1"/>
+            <a:schemeClr val="tx2"/>
           </a:solidFill>
           <a:latin typeface="+mn-lt"/>
           <a:ea typeface="+mn-ea"/>
           <a:cs typeface="+mn-cs"/>
         </a:defRPr>
       </a:lvl4pPr>
-      <a:lvl5pPr marL="2057400" indent="-228600" algn="l" defTabSz="914400" rtl="0" eaLnBrk="1" latinLnBrk="0" hangingPunct="1">
+      <a:lvl5pPr marL="2286000" indent="-384048" algn="l" defTabSz="914400" rtl="0" eaLnBrk="1" latinLnBrk="0" hangingPunct="1">
         <a:lnSpc>
-          <a:spcPct val="90000"/>
+          <a:spcPct val="94000"/>
         </a:lnSpc>
         <a:spcBef>
           <a:spcPts val="500"/>
         </a:spcBef>
-        <a:buFont typeface="Arial" panose="020B0604020202020204" pitchFamily="34" charset="0"/>
-        <a:buChar char="•"/>
-        <a:defRPr sz="1800" kern="1200">
+        <a:spcAft>
+          <a:spcPts val="200"/>
+        </a:spcAft>
+        <a:buFont typeface="Franklin Gothic Book" panose="020B0503020102020204" pitchFamily="34" charset="0"/>
+        <a:buChar char="■"/>
+        <a:defRPr sz="1600" kern="1200" baseline="0">
           <a:solidFill>
-            <a:schemeClr val="tx1"/>
+            <a:schemeClr val="tx2"/>
           </a:solidFill>
           <a:latin typeface="+mn-lt"/>
           <a:ea typeface="+mn-ea"/>
           <a:cs typeface="+mn-cs"/>
         </a:defRPr>
       </a:lvl5pPr>
-      <a:lvl6pPr marL="2514600" indent="-228600" algn="l" defTabSz="914400" rtl="0" eaLnBrk="1" latinLnBrk="0" hangingPunct="1">
+      <a:lvl6pPr marL="2743200" indent="-384048" algn="l" defTabSz="914400" rtl="0" eaLnBrk="1" latinLnBrk="0" hangingPunct="1">
         <a:lnSpc>
-          <a:spcPct val="90000"/>
+          <a:spcPct val="94000"/>
         </a:lnSpc>
         <a:spcBef>
           <a:spcPts val="500"/>
         </a:spcBef>
-        <a:buFont typeface="Arial" panose="020B0604020202020204" pitchFamily="34" charset="0"/>
-        <a:buChar char="•"/>
-        <a:defRPr sz="1800" kern="1200">
+        <a:spcAft>
+          <a:spcPts val="200"/>
+        </a:spcAft>
+        <a:buFont typeface="Franklin Gothic Book" panose="020B0503020102020204" pitchFamily="34" charset="0"/>
+        <a:buChar char="–"/>
+        <a:defRPr sz="1600" i="1" kern="1200" baseline="0">
           <a:solidFill>
-            <a:schemeClr val="tx1"/>
+            <a:schemeClr val="tx2"/>
           </a:solidFill>
           <a:latin typeface="+mn-lt"/>
           <a:ea typeface="+mn-ea"/>
           <a:cs typeface="+mn-cs"/>
         </a:defRPr>
       </a:lvl6pPr>
-      <a:lvl7pPr marL="2971800" indent="-228600" algn="l" defTabSz="914400" rtl="0" eaLnBrk="1" latinLnBrk="0" hangingPunct="1">
+      <a:lvl7pPr marL="3200400" indent="-384048" algn="l" defTabSz="914400" rtl="0" eaLnBrk="1" latinLnBrk="0" hangingPunct="1">
         <a:lnSpc>
-          <a:spcPct val="90000"/>
+          <a:spcPct val="94000"/>
         </a:lnSpc>
         <a:spcBef>
           <a:spcPts val="500"/>
         </a:spcBef>
-        <a:buFont typeface="Arial" panose="020B0604020202020204" pitchFamily="34" charset="0"/>
-        <a:buChar char="•"/>
-        <a:defRPr sz="1800" kern="1200">
+        <a:spcAft>
+          <a:spcPts val="200"/>
+        </a:spcAft>
+        <a:buFont typeface="Franklin Gothic Book" panose="020B0503020102020204" pitchFamily="34" charset="0"/>
+        <a:buChar char="■"/>
+        <a:defRPr sz="1400" kern="1200" baseline="0">
           <a:solidFill>
-            <a:schemeClr val="tx1"/>
+            <a:schemeClr val="tx2"/>
           </a:solidFill>
           <a:latin typeface="+mn-lt"/>
           <a:ea typeface="+mn-ea"/>
           <a:cs typeface="+mn-cs"/>
         </a:defRPr>
       </a:lvl7pPr>
-      <a:lvl8pPr marL="3429000" indent="-228600" algn="l" defTabSz="914400" rtl="0" eaLnBrk="1" latinLnBrk="0" hangingPunct="1">
+      <a:lvl8pPr marL="3657600" indent="-384048" algn="l" defTabSz="914400" rtl="0" eaLnBrk="1" latinLnBrk="0" hangingPunct="1">
         <a:lnSpc>
-          <a:spcPct val="90000"/>
+          <a:spcPct val="94000"/>
         </a:lnSpc>
         <a:spcBef>
           <a:spcPts val="500"/>
         </a:spcBef>
-        <a:buFont typeface="Arial" panose="020B0604020202020204" pitchFamily="34" charset="0"/>
-        <a:buChar char="•"/>
-        <a:defRPr sz="1800" kern="1200">
+        <a:spcAft>
+          <a:spcPts val="200"/>
+        </a:spcAft>
+        <a:buFont typeface="Franklin Gothic Book" panose="020B0503020102020204" pitchFamily="34" charset="0"/>
+        <a:buChar char="–"/>
+        <a:defRPr sz="1400" i="1" kern="1200" baseline="0">
           <a:solidFill>
-            <a:schemeClr val="tx1"/>
+            <a:schemeClr val="tx2"/>
           </a:solidFill>
           <a:latin typeface="+mn-lt"/>
           <a:ea typeface="+mn-ea"/>
           <a:cs typeface="+mn-cs"/>
         </a:defRPr>
       </a:lvl8pPr>
-      <a:lvl9pPr marL="3886200" indent="-228600" algn="l" defTabSz="914400" rtl="0" eaLnBrk="1" latinLnBrk="0" hangingPunct="1">
+      <a:lvl9pPr marL="4114800" indent="-384048" algn="l" defTabSz="914400" rtl="0" eaLnBrk="1" latinLnBrk="0" hangingPunct="1">
         <a:lnSpc>
-          <a:spcPct val="90000"/>
+          <a:spcPct val="94000"/>
         </a:lnSpc>
         <a:spcBef>
           <a:spcPts val="500"/>
         </a:spcBef>
-        <a:buFont typeface="Arial" panose="020B0604020202020204" pitchFamily="34" charset="0"/>
-        <a:buChar char="•"/>
-        <a:defRPr sz="1800" kern="1200">
+        <a:spcAft>
+          <a:spcPts val="200"/>
+        </a:spcAft>
+        <a:buFont typeface="Franklin Gothic Book" panose="020B0503020102020204" pitchFamily="34" charset="0"/>
+        <a:buChar char="■"/>
+        <a:defRPr sz="1400" kern="1200" baseline="0">
           <a:solidFill>
-            <a:schemeClr val="tx1"/>
+            <a:schemeClr val="tx2"/>
           </a:solidFill>
           <a:latin typeface="+mn-lt"/>
           <a:ea typeface="+mn-ea"/>
@@ -3208,7 +3683,7 @@
     </p:bodyStyle>
     <p:otherStyle>
       <a:defPPr>
-        <a:defRPr lang="fr-FR"/>
+        <a:defRPr lang="en-US"/>
       </a:defPPr>
       <a:lvl1pPr marL="0" algn="l" defTabSz="914400" rtl="0" eaLnBrk="1" latinLnBrk="0" hangingPunct="1">
         <a:defRPr sz="1800" kern="1200">
@@ -3302,6 +3777,52 @@
       </a:lvl9pPr>
     </p:otherStyle>
   </p:txStyles>
+  <p:extLst>
+    <p:ext uri="{27BBF7A9-308A-43DC-89C8-2F10F3537804}">
+      <p15:sldGuideLst xmlns:p15="http://schemas.microsoft.com/office/powerpoint/2012/main">
+        <p15:guide id="3" orient="horz" pos="1368">
+          <p15:clr>
+            <a:srgbClr val="F26B43"/>
+          </p15:clr>
+        </p15:guide>
+        <p15:guide id="4" orient="horz" pos="1440">
+          <p15:clr>
+            <a:srgbClr val="F26B43"/>
+          </p15:clr>
+        </p15:guide>
+        <p15:guide id="6" orient="horz" pos="3696">
+          <p15:clr>
+            <a:srgbClr val="F26B43"/>
+          </p15:clr>
+        </p15:guide>
+        <p15:guide id="7" orient="horz" pos="432">
+          <p15:clr>
+            <a:srgbClr val="F26B43"/>
+          </p15:clr>
+        </p15:guide>
+        <p15:guide id="8" orient="horz" pos="1512">
+          <p15:clr>
+            <a:srgbClr val="F26B43"/>
+          </p15:clr>
+        </p15:guide>
+        <p15:guide id="9" pos="6912">
+          <p15:clr>
+            <a:srgbClr val="F26B43"/>
+          </p15:clr>
+        </p15:guide>
+        <p15:guide id="10" pos="936">
+          <p15:clr>
+            <a:srgbClr val="F26B43"/>
+          </p15:clr>
+        </p15:guide>
+        <p15:guide id="11" pos="864">
+          <p15:clr>
+            <a:srgbClr val="F26B43"/>
+          </p15:clr>
+        </p15:guide>
+      </p15:sldGuideLst>
+    </p:ext>
+  </p:extLst>
 </p:sldMaster>
 </file>
 
@@ -3379,7 +3900,7 @@
         </p:spPr>
         <p:txBody>
           <a:bodyPr>
-            <a:normAutofit lnSpcReduction="10000"/>
+            <a:normAutofit/>
           </a:bodyPr>
           <a:lstStyle/>
           <a:p>
@@ -3397,21 +3918,8 @@
           <a:p>
             <a:r>
               <a:rPr lang="fr-FR" sz="2000" dirty="0"/>
-              <a:t>Présenté par Célian Lesage, Brice </a:t>
-            </a:r>
-            <a:r>
-              <a:rPr lang="fr-FR" sz="2000" dirty="0" err="1"/>
-              <a:t>Vigreux</a:t>
-            </a:r>
-            <a:r>
-              <a:rPr lang="fr-FR" sz="2000" dirty="0"/>
-              <a:t>, Matthieu Dupont, Maximilien Carton et Hippolyte Le </a:t>
-            </a:r>
-            <a:r>
-              <a:rPr lang="fr-FR" sz="2000" dirty="0" err="1"/>
-              <a:t>Pallec</a:t>
-            </a:r>
-            <a:endParaRPr lang="fr-FR" sz="2000" dirty="0"/>
+              <a:t>Présenté par Célian Lesage, Brice Vigreux, Matthieu Dupont, Maximilien Carton et Hippolyte Le Pallec</a:t>
+            </a:r>
           </a:p>
         </p:txBody>
       </p:sp>
@@ -3450,6 +3958,86 @@
           <p:cNvPr id="2" name="Titre 1">
             <a:extLst>
               <a:ext uri="{FF2B5EF4-FFF2-40B4-BE49-F238E27FC236}">
+                <a16:creationId xmlns:a16="http://schemas.microsoft.com/office/drawing/2014/main" id="{2B07B117-FB92-A9E3-7A7D-08B81B49FDB3}"/>
+              </a:ext>
+            </a:extLst>
+          </p:cNvPr>
+          <p:cNvSpPr>
+            <a:spLocks noGrp="1"/>
+          </p:cNvSpPr>
+          <p:nvPr>
+            <p:ph type="title"/>
+          </p:nvPr>
+        </p:nvSpPr>
+        <p:spPr/>
+        <p:txBody>
+          <a:bodyPr/>
+          <a:lstStyle/>
+          <a:p>
+            <a:endParaRPr lang="fr-FR"/>
+          </a:p>
+        </p:txBody>
+      </p:sp>
+      <p:sp>
+        <p:nvSpPr>
+          <p:cNvPr id="3" name="Espace réservé du contenu 2">
+            <a:extLst>
+              <a:ext uri="{FF2B5EF4-FFF2-40B4-BE49-F238E27FC236}">
+                <a16:creationId xmlns:a16="http://schemas.microsoft.com/office/drawing/2014/main" id="{EF0E7C55-4098-7CA7-3809-0E1A919389E3}"/>
+              </a:ext>
+            </a:extLst>
+          </p:cNvPr>
+          <p:cNvSpPr>
+            <a:spLocks noGrp="1"/>
+          </p:cNvSpPr>
+          <p:nvPr>
+            <p:ph idx="1"/>
+          </p:nvPr>
+        </p:nvSpPr>
+        <p:spPr/>
+        <p:txBody>
+          <a:bodyPr/>
+          <a:lstStyle/>
+          <a:p>
+            <a:endParaRPr lang="fr-FR"/>
+          </a:p>
+        </p:txBody>
+      </p:sp>
+    </p:spTree>
+    <p:extLst>
+      <p:ext uri="{BB962C8B-B14F-4D97-AF65-F5344CB8AC3E}">
+        <p14:creationId xmlns:p14="http://schemas.microsoft.com/office/powerpoint/2010/main" val="492189091"/>
+      </p:ext>
+    </p:extLst>
+  </p:cSld>
+  <p:clrMapOvr>
+    <a:masterClrMapping/>
+  </p:clrMapOvr>
+</p:sld>
+</file>
+
+<file path=ppt/slides/slide3.xml><?xml version="1.0" encoding="utf-8"?>
+<p:sld xmlns:a="http://schemas.openxmlformats.org/drawingml/2006/main" xmlns:r="http://schemas.openxmlformats.org/officeDocument/2006/relationships" xmlns:p="http://schemas.openxmlformats.org/presentationml/2006/main">
+  <p:cSld>
+    <p:spTree>
+      <p:nvGrpSpPr>
+        <p:cNvPr id="1" name=""/>
+        <p:cNvGrpSpPr/>
+        <p:nvPr/>
+      </p:nvGrpSpPr>
+      <p:grpSpPr>
+        <a:xfrm>
+          <a:off x="0" y="0"/>
+          <a:ext cx="0" cy="0"/>
+          <a:chOff x="0" y="0"/>
+          <a:chExt cx="0" cy="0"/>
+        </a:xfrm>
+      </p:grpSpPr>
+      <p:sp>
+        <p:nvSpPr>
+          <p:cNvPr id="2" name="Titre 1">
+            <a:extLst>
+              <a:ext uri="{FF2B5EF4-FFF2-40B4-BE49-F238E27FC236}">
                 <a16:creationId xmlns:a16="http://schemas.microsoft.com/office/drawing/2014/main" id="{8BE62005-A33E-F94A-9CF0-F0777EBE4650}"/>
               </a:ext>
             </a:extLst>
@@ -3559,9 +4147,9 @@
 </file>
 
 <file path=ppt/theme/theme1.xml><?xml version="1.0" encoding="utf-8"?>
-<a:theme xmlns:a="http://schemas.openxmlformats.org/drawingml/2006/main" name="Thème Office">
+<a:theme xmlns:a="http://schemas.openxmlformats.org/drawingml/2006/main" name="Cadrage">
   <a:themeElements>
-    <a:clrScheme name="Office">
+    <a:clrScheme name="Cadrage">
       <a:dk1>
         <a:sysClr val="windowText" lastClr="000000"/>
       </a:dk1>
@@ -3569,100 +4157,48 @@
         <a:sysClr val="window" lastClr="FFFFFF"/>
       </a:lt1>
       <a:dk2>
-        <a:srgbClr val="44546A"/>
+        <a:srgbClr val="191B0E"/>
       </a:dk2>
       <a:lt2>
-        <a:srgbClr val="E7E6E6"/>
+        <a:srgbClr val="EFEDE3"/>
       </a:lt2>
       <a:accent1>
-        <a:srgbClr val="4472C4"/>
+        <a:srgbClr val="8C8D86"/>
       </a:accent1>
       <a:accent2>
-        <a:srgbClr val="ED7D31"/>
+        <a:srgbClr val="E6C069"/>
       </a:accent2>
       <a:accent3>
-        <a:srgbClr val="A5A5A5"/>
+        <a:srgbClr val="897B61"/>
       </a:accent3>
       <a:accent4>
-        <a:srgbClr val="FFC000"/>
+        <a:srgbClr val="8DAB8E"/>
       </a:accent4>
       <a:accent5>
-        <a:srgbClr val="5B9BD5"/>
+        <a:srgbClr val="77A2BB"/>
       </a:accent5>
       <a:accent6>
-        <a:srgbClr val="70AD47"/>
+        <a:srgbClr val="E28394"/>
       </a:accent6>
       <a:hlink>
-        <a:srgbClr val="0563C1"/>
+        <a:srgbClr val="77A2BB"/>
       </a:hlink>
       <a:folHlink>
-        <a:srgbClr val="954F72"/>
+        <a:srgbClr val="957A99"/>
       </a:folHlink>
     </a:clrScheme>
-    <a:fontScheme name="Office">
+    <a:fontScheme name="Cadrage">
       <a:majorFont>
-        <a:latin typeface="Calibri Light" panose="020F0302020204030204"/>
+        <a:latin typeface="Franklin Gothic Book" panose="020B0503020102020204"/>
         <a:ea typeface=""/>
         <a:cs typeface=""/>
-        <a:font script="Jpan" typeface="游ゴシック Light"/>
-        <a:font script="Hang" typeface="맑은 고딕"/>
-        <a:font script="Hans" typeface="等线 Light"/>
-        <a:font script="Hant" typeface="新細明體"/>
-        <a:font script="Arab" typeface="Times New Roman"/>
-        <a:font script="Hebr" typeface="Times New Roman"/>
-        <a:font script="Thai" typeface="Angsana New"/>
-        <a:font script="Ethi" typeface="Nyala"/>
-        <a:font script="Beng" typeface="Vrinda"/>
-        <a:font script="Gujr" typeface="Shruti"/>
-        <a:font script="Khmr" typeface="MoolBoran"/>
-        <a:font script="Knda" typeface="Tunga"/>
-        <a:font script="Guru" typeface="Raavi"/>
-        <a:font script="Cans" typeface="Euphemia"/>
-        <a:font script="Cher" typeface="Plantagenet Cherokee"/>
-        <a:font script="Yiii" typeface="Microsoft Yi Baiti"/>
-        <a:font script="Tibt" typeface="Microsoft Himalaya"/>
-        <a:font script="Thaa" typeface="MV Boli"/>
-        <a:font script="Deva" typeface="Mangal"/>
-        <a:font script="Telu" typeface="Gautami"/>
-        <a:font script="Taml" typeface="Latha"/>
-        <a:font script="Syrc" typeface="Estrangelo Edessa"/>
-        <a:font script="Orya" typeface="Kalinga"/>
-        <a:font script="Mlym" typeface="Kartika"/>
-        <a:font script="Laoo" typeface="DokChampa"/>
-        <a:font script="Sinh" typeface="Iskoola Pota"/>
-        <a:font script="Mong" typeface="Mongolian Baiti"/>
-        <a:font script="Viet" typeface="Times New Roman"/>
-        <a:font script="Uigh" typeface="Microsoft Uighur"/>
-        <a:font script="Geor" typeface="Sylfaen"/>
-        <a:font script="Armn" typeface="Arial"/>
-        <a:font script="Bugi" typeface="Leelawadee UI"/>
-        <a:font script="Bopo" typeface="Microsoft JhengHei"/>
-        <a:font script="Java" typeface="Javanese Text"/>
-        <a:font script="Lisu" typeface="Segoe UI"/>
-        <a:font script="Mymr" typeface="Myanmar Text"/>
-        <a:font script="Nkoo" typeface="Ebrima"/>
-        <a:font script="Olck" typeface="Nirmala UI"/>
-        <a:font script="Osma" typeface="Ebrima"/>
-        <a:font script="Phag" typeface="Phagspa"/>
-        <a:font script="Syrn" typeface="Estrangelo Edessa"/>
-        <a:font script="Syrj" typeface="Estrangelo Edessa"/>
-        <a:font script="Syre" typeface="Estrangelo Edessa"/>
-        <a:font script="Sora" typeface="Nirmala UI"/>
-        <a:font script="Tale" typeface="Microsoft Tai Le"/>
-        <a:font script="Talu" typeface="Microsoft New Tai Lue"/>
-        <a:font script="Tfng" typeface="Ebrima"/>
-      </a:majorFont>
-      <a:minorFont>
-        <a:latin typeface="Calibri" panose="020F0502020204030204"/>
-        <a:ea typeface=""/>
-        <a:cs typeface=""/>
-        <a:font script="Jpan" typeface="游ゴシック"/>
-        <a:font script="Hang" typeface="맑은 고딕"/>
-        <a:font script="Hans" typeface="等线"/>
-        <a:font script="Hant" typeface="新細明體"/>
-        <a:font script="Arab" typeface="Arial"/>
-        <a:font script="Hebr" typeface="Arial"/>
-        <a:font script="Thai" typeface="Cordia New"/>
+        <a:font script="Jpan" typeface="メイリオ"/>
+        <a:font script="Hang" typeface="돋움"/>
+        <a:font script="Hans" typeface="华文楷体"/>
+        <a:font script="Hant" typeface="微軟正黑體"/>
+        <a:font script="Arab" typeface="Tahoma"/>
+        <a:font script="Hebr" typeface="Aharoni"/>
+        <a:font script="Thai" typeface="LilyUPC"/>
         <a:font script="Ethi" typeface="Nyala"/>
         <a:font script="Beng" typeface="Vrinda"/>
         <a:font script="Gujr" typeface="Shruti"/>
@@ -3683,29 +4219,47 @@
         <a:font script="Laoo" typeface="DokChampa"/>
         <a:font script="Sinh" typeface="Iskoola Pota"/>
         <a:font script="Mong" typeface="Mongolian Baiti"/>
-        <a:font script="Viet" typeface="Arial"/>
+        <a:font script="Viet" typeface="Tahoma"/>
         <a:font script="Uigh" typeface="Microsoft Uighur"/>
         <a:font script="Geor" typeface="Sylfaen"/>
-        <a:font script="Armn" typeface="Arial"/>
-        <a:font script="Bugi" typeface="Leelawadee UI"/>
-        <a:font script="Bopo" typeface="Microsoft JhengHei"/>
-        <a:font script="Java" typeface="Javanese Text"/>
-        <a:font script="Lisu" typeface="Segoe UI"/>
-        <a:font script="Mymr" typeface="Myanmar Text"/>
-        <a:font script="Nkoo" typeface="Ebrima"/>
-        <a:font script="Olck" typeface="Nirmala UI"/>
-        <a:font script="Osma" typeface="Ebrima"/>
-        <a:font script="Phag" typeface="Phagspa"/>
-        <a:font script="Syrn" typeface="Estrangelo Edessa"/>
-        <a:font script="Syrj" typeface="Estrangelo Edessa"/>
-        <a:font script="Syre" typeface="Estrangelo Edessa"/>
-        <a:font script="Sora" typeface="Nirmala UI"/>
-        <a:font script="Tale" typeface="Microsoft Tai Le"/>
-        <a:font script="Talu" typeface="Microsoft New Tai Lue"/>
-        <a:font script="Tfng" typeface="Ebrima"/>
+      </a:majorFont>
+      <a:minorFont>
+        <a:latin typeface="Franklin Gothic Book" panose="020B0503020102020204"/>
+        <a:ea typeface=""/>
+        <a:cs typeface=""/>
+        <a:font script="Jpan" typeface="メイリオ"/>
+        <a:font script="Hang" typeface="돋움"/>
+        <a:font script="Hans" typeface="华文楷体"/>
+        <a:font script="Hant" typeface="微軟正黑體"/>
+        <a:font script="Arab" typeface="Tahoma"/>
+        <a:font script="Hebr" typeface="Aharoni"/>
+        <a:font script="Thai" typeface="LilyUPC"/>
+        <a:font script="Ethi" typeface="Nyala"/>
+        <a:font script="Beng" typeface="Vrinda"/>
+        <a:font script="Gujr" typeface="Shruti"/>
+        <a:font script="Khmr" typeface="DaunPenh"/>
+        <a:font script="Knda" typeface="Tunga"/>
+        <a:font script="Guru" typeface="Raavi"/>
+        <a:font script="Cans" typeface="Euphemia"/>
+        <a:font script="Cher" typeface="Plantagenet Cherokee"/>
+        <a:font script="Yiii" typeface="Microsoft Yi Baiti"/>
+        <a:font script="Tibt" typeface="Microsoft Himalaya"/>
+        <a:font script="Thaa" typeface="MV Boli"/>
+        <a:font script="Deva" typeface="Mangal"/>
+        <a:font script="Telu" typeface="Gautami"/>
+        <a:font script="Taml" typeface="Latha"/>
+        <a:font script="Syrc" typeface="Estrangelo Edessa"/>
+        <a:font script="Orya" typeface="Kalinga"/>
+        <a:font script="Mlym" typeface="Kartika"/>
+        <a:font script="Laoo" typeface="DokChampa"/>
+        <a:font script="Sinh" typeface="Iskoola Pota"/>
+        <a:font script="Mong" typeface="Mongolian Baiti"/>
+        <a:font script="Viet" typeface="Tahoma"/>
+        <a:font script="Uigh" typeface="Microsoft Uighur"/>
+        <a:font script="Geor" typeface="Sylfaen"/>
       </a:minorFont>
     </a:fontScheme>
-    <a:fmtScheme name="Office">
+    <a:fmtScheme name="Cadrage">
       <a:fillStyleLst>
         <a:solidFill>
           <a:schemeClr val="phClr"/>
@@ -3714,23 +4268,23 @@
           <a:gsLst>
             <a:gs pos="0">
               <a:schemeClr val="phClr">
+                <a:tint val="67000"/>
+                <a:satMod val="105000"/>
                 <a:lumMod val="110000"/>
-                <a:satMod val="105000"/>
-                <a:tint val="67000"/>
               </a:schemeClr>
             </a:gs>
             <a:gs pos="50000">
               <a:schemeClr val="phClr">
+                <a:tint val="73000"/>
+                <a:satMod val="103000"/>
                 <a:lumMod val="105000"/>
-                <a:satMod val="103000"/>
-                <a:tint val="73000"/>
               </a:schemeClr>
             </a:gs>
             <a:gs pos="100000">
               <a:schemeClr val="phClr">
+                <a:tint val="81000"/>
+                <a:satMod val="109000"/>
                 <a:lumMod val="105000"/>
-                <a:satMod val="109000"/>
-                <a:tint val="81000"/>
               </a:schemeClr>
             </a:gs>
           </a:gsLst>
@@ -3740,23 +4294,23 @@
           <a:gsLst>
             <a:gs pos="0">
               <a:schemeClr val="phClr">
+                <a:tint val="94000"/>
                 <a:satMod val="103000"/>
                 <a:lumMod val="102000"/>
-                <a:tint val="94000"/>
               </a:schemeClr>
             </a:gs>
             <a:gs pos="50000">
               <a:schemeClr val="phClr">
+                <a:shade val="100000"/>
                 <a:satMod val="110000"/>
                 <a:lumMod val="100000"/>
-                <a:shade val="100000"/>
               </a:schemeClr>
             </a:gs>
             <a:gs pos="100000">
               <a:schemeClr val="phClr">
+                <a:shade val="78000"/>
+                <a:satMod val="120000"/>
                 <a:lumMod val="99000"/>
-                <a:satMod val="120000"/>
-                <a:shade val="78000"/>
               </a:schemeClr>
             </a:gs>
           </a:gsLst>
@@ -3764,26 +4318,23 @@
         </a:gradFill>
       </a:fillStyleLst>
       <a:lnStyleLst>
-        <a:ln w="6350" cap="flat" cmpd="sng" algn="ctr">
+        <a:ln w="6350" cap="flat" cmpd="sng" algn="in">
           <a:solidFill>
             <a:schemeClr val="phClr"/>
           </a:solidFill>
           <a:prstDash val="solid"/>
-          <a:miter lim="800000"/>
         </a:ln>
-        <a:ln w="12700" cap="flat" cmpd="sng" algn="ctr">
+        <a:ln w="34925" cap="flat" cmpd="sng" algn="in">
           <a:solidFill>
             <a:schemeClr val="phClr"/>
           </a:solidFill>
           <a:prstDash val="solid"/>
-          <a:miter lim="800000"/>
         </a:ln>
-        <a:ln w="19050" cap="flat" cmpd="sng" algn="ctr">
+        <a:ln w="19050" cap="flat" cmpd="sng" algn="in">
           <a:solidFill>
             <a:schemeClr val="phClr"/>
           </a:solidFill>
           <a:prstDash val="solid"/>
-          <a:miter lim="800000"/>
         </a:ln>
       </a:lnStyleLst>
       <a:effectStyleLst>
@@ -3797,7 +4348,7 @@
           <a:effectLst>
             <a:outerShdw blurRad="57150" dist="19050" dir="5400000" algn="ctr" rotWithShape="0">
               <a:srgbClr val="000000">
-                <a:alpha val="63000"/>
+                <a:alpha val="35000"/>
               </a:srgbClr>
             </a:outerShdw>
           </a:effectLst>
@@ -3818,16 +4369,16 @@
             <a:gs pos="0">
               <a:schemeClr val="phClr">
                 <a:tint val="93000"/>
+                <a:shade val="98000"/>
                 <a:satMod val="150000"/>
-                <a:shade val="98000"/>
                 <a:lumMod val="102000"/>
               </a:schemeClr>
             </a:gs>
             <a:gs pos="50000">
               <a:schemeClr val="phClr">
                 <a:tint val="98000"/>
+                <a:shade val="90000"/>
                 <a:satMod val="130000"/>
-                <a:shade val="90000"/>
                 <a:lumMod val="103000"/>
               </a:schemeClr>
             </a:gs>
@@ -3847,7 +4398,7 @@
   <a:extraClrSchemeLst/>
   <a:extLst>
     <a:ext uri="{05A4C25C-085E-4340-85A3-A5531E510DB2}">
-      <thm15:themeFamily xmlns:thm15="http://schemas.microsoft.com/office/thememl/2012/main" name="Office Theme" id="{62F939B6-93AF-4DB8-9C6B-D6C7DFDC589F}" vid="{4A3C46E8-61CC-4603-A589-7422A47A8E4A}"/>
+      <thm15:themeFamily xmlns:thm15="http://schemas.microsoft.com/office/thememl/2012/main" name="Crop" id="{EC9488ED-E761-4D60-9AC4-764D1FE2C171}" vid="{CE19780C-D67D-4C13-9DE9-A52BC3BA51B4}"/>
     </a:ext>
   </a:extLst>
 </a:theme>

--- a/Soutenance de SAE.pptx
+++ b/Soutenance de SAE.pptx
@@ -7,7 +7,8 @@
   <p:sldIdLst>
     <p:sldId id="256" r:id="rId2"/>
     <p:sldId id="258" r:id="rId3"/>
-    <p:sldId id="257" r:id="rId4"/>
+    <p:sldId id="259" r:id="rId4"/>
+    <p:sldId id="257" r:id="rId5"/>
   </p:sldIdLst>
   <p:sldSz cx="12192000" cy="6858000"/>
   <p:notesSz cx="6858000" cy="9144000"/>
@@ -106,6 +107,11 @@
       </a:defRPr>
     </a:lvl9pPr>
   </p:defaultTextStyle>
+  <p:extLst>
+    <p:ext uri="{EFAFB233-063F-42B5-8137-9DF3F51BA10A}">
+      <p15:sldGuideLst xmlns:p15="http://schemas.microsoft.com/office/powerpoint/2012/main"/>
+    </p:ext>
+  </p:extLst>
 </p:presentation>
 </file>
 
@@ -278,7 +284,7 @@
           <a:p>
             <a:fld id="{981B849D-0B7F-4C5F-8605-4847C32E2ACB}" type="datetimeFigureOut">
               <a:rPr lang="fr-FR" smtClean="0"/>
-              <a:t>13/12/2022</a:t>
+              <a:t>15/12/2022</a:t>
             </a:fld>
             <a:endParaRPr lang="fr-FR"/>
           </a:p>
@@ -608,7 +614,7 @@
           <a:p>
             <a:fld id="{981B849D-0B7F-4C5F-8605-4847C32E2ACB}" type="datetimeFigureOut">
               <a:rPr lang="fr-FR" smtClean="0"/>
-              <a:t>13/12/2022</a:t>
+              <a:t>15/12/2022</a:t>
             </a:fld>
             <a:endParaRPr lang="fr-FR"/>
           </a:p>
@@ -788,7 +794,7 @@
           <a:p>
             <a:fld id="{981B849D-0B7F-4C5F-8605-4847C32E2ACB}" type="datetimeFigureOut">
               <a:rPr lang="fr-FR" smtClean="0"/>
-              <a:t>13/12/2022</a:t>
+              <a:t>15/12/2022</a:t>
             </a:fld>
             <a:endParaRPr lang="fr-FR"/>
           </a:p>
@@ -958,7 +964,7 @@
           <a:p>
             <a:fld id="{981B849D-0B7F-4C5F-8605-4847C32E2ACB}" type="datetimeFigureOut">
               <a:rPr lang="fr-FR" smtClean="0"/>
-              <a:t>13/12/2022</a:t>
+              <a:t>15/12/2022</a:t>
             </a:fld>
             <a:endParaRPr lang="fr-FR"/>
           </a:p>
@@ -1235,7 +1241,7 @@
           <a:p>
             <a:fld id="{981B849D-0B7F-4C5F-8605-4847C32E2ACB}" type="datetimeFigureOut">
               <a:rPr lang="fr-FR" smtClean="0"/>
-              <a:t>13/12/2022</a:t>
+              <a:t>15/12/2022</a:t>
             </a:fld>
             <a:endParaRPr lang="fr-FR"/>
           </a:p>
@@ -1629,7 +1635,7 @@
           <a:p>
             <a:fld id="{981B849D-0B7F-4C5F-8605-4847C32E2ACB}" type="datetimeFigureOut">
               <a:rPr lang="fr-FR" smtClean="0"/>
-              <a:t>13/12/2022</a:t>
+              <a:t>15/12/2022</a:t>
             </a:fld>
             <a:endParaRPr lang="fr-FR"/>
           </a:p>
@@ -2106,7 +2112,7 @@
           <a:p>
             <a:fld id="{981B849D-0B7F-4C5F-8605-4847C32E2ACB}" type="datetimeFigureOut">
               <a:rPr lang="fr-FR" smtClean="0"/>
-              <a:t>13/12/2022</a:t>
+              <a:t>15/12/2022</a:t>
             </a:fld>
             <a:endParaRPr lang="fr-FR"/>
           </a:p>
@@ -2224,7 +2230,7 @@
           <a:p>
             <a:fld id="{981B849D-0B7F-4C5F-8605-4847C32E2ACB}" type="datetimeFigureOut">
               <a:rPr lang="fr-FR" smtClean="0"/>
-              <a:t>13/12/2022</a:t>
+              <a:t>15/12/2022</a:t>
             </a:fld>
             <a:endParaRPr lang="fr-FR"/>
           </a:p>
@@ -2319,7 +2325,7 @@
           <a:p>
             <a:fld id="{981B849D-0B7F-4C5F-8605-4847C32E2ACB}" type="datetimeFigureOut">
               <a:rPr lang="fr-FR" smtClean="0"/>
-              <a:t>13/12/2022</a:t>
+              <a:t>15/12/2022</a:t>
             </a:fld>
             <a:endParaRPr lang="fr-FR"/>
           </a:p>
@@ -2665,7 +2671,7 @@
           <a:p>
             <a:fld id="{981B849D-0B7F-4C5F-8605-4847C32E2ACB}" type="datetimeFigureOut">
               <a:rPr lang="fr-FR" smtClean="0"/>
-              <a:t>13/12/2022</a:t>
+              <a:t>15/12/2022</a:t>
             </a:fld>
             <a:endParaRPr lang="fr-FR"/>
           </a:p>
@@ -3053,7 +3059,7 @@
           <a:p>
             <a:fld id="{981B849D-0B7F-4C5F-8605-4847C32E2ACB}" type="datetimeFigureOut">
               <a:rPr lang="fr-FR" smtClean="0"/>
-              <a:t>13/12/2022</a:t>
+              <a:t>15/12/2022</a:t>
             </a:fld>
             <a:endParaRPr lang="fr-FR"/>
           </a:p>
@@ -3331,7 +3337,7 @@
           <a:p>
             <a:fld id="{981B849D-0B7F-4C5F-8605-4847C32E2ACB}" type="datetimeFigureOut">
               <a:rPr lang="fr-FR" smtClean="0"/>
-              <a:t>13/12/2022</a:t>
+              <a:t>15/12/2022</a:t>
             </a:fld>
             <a:endParaRPr lang="fr-FR"/>
           </a:p>
@@ -3974,7 +3980,10 @@
           <a:bodyPr/>
           <a:lstStyle/>
           <a:p>
-            <a:endParaRPr lang="fr-FR"/>
+            <a:r>
+              <a:rPr lang="fr-FR" dirty="0"/>
+              <a:t>Les besoins</a:t>
+            </a:r>
           </a:p>
         </p:txBody>
       </p:sp>
@@ -3999,7 +4008,22 @@
           <a:bodyPr/>
           <a:lstStyle/>
           <a:p>
-            <a:endParaRPr lang="fr-FR"/>
+            <a:r>
+              <a:rPr lang="fr-FR" dirty="0"/>
+              <a:t>Des animaux en 5 catégories</a:t>
+            </a:r>
+          </a:p>
+          <a:p>
+            <a:r>
+              <a:rPr lang="fr-FR" dirty="0"/>
+              <a:t>Version responsive</a:t>
+            </a:r>
+          </a:p>
+          <a:p>
+            <a:r>
+              <a:rPr lang="fr-FR" dirty="0"/>
+              <a:t>Version anglaise</a:t>
+            </a:r>
           </a:p>
         </p:txBody>
       </p:sp>
@@ -4038,6 +4062,107 @@
           <p:cNvPr id="2" name="Titre 1">
             <a:extLst>
               <a:ext uri="{FF2B5EF4-FFF2-40B4-BE49-F238E27FC236}">
+                <a16:creationId xmlns:a16="http://schemas.microsoft.com/office/drawing/2014/main" id="{085CB949-7544-C3DA-58E5-260EB23B9BA0}"/>
+              </a:ext>
+            </a:extLst>
+          </p:cNvPr>
+          <p:cNvSpPr>
+            <a:spLocks noGrp="1"/>
+          </p:cNvSpPr>
+          <p:nvPr>
+            <p:ph type="title"/>
+          </p:nvPr>
+        </p:nvSpPr>
+        <p:spPr/>
+        <p:txBody>
+          <a:bodyPr/>
+          <a:lstStyle/>
+          <a:p>
+            <a:r>
+              <a:rPr lang="fr-FR" dirty="0"/>
+              <a:t>L’organisation</a:t>
+            </a:r>
+          </a:p>
+        </p:txBody>
+      </p:sp>
+      <p:sp>
+        <p:nvSpPr>
+          <p:cNvPr id="3" name="Espace réservé du contenu 2">
+            <a:extLst>
+              <a:ext uri="{FF2B5EF4-FFF2-40B4-BE49-F238E27FC236}">
+                <a16:creationId xmlns:a16="http://schemas.microsoft.com/office/drawing/2014/main" id="{76EC9B1F-9723-B9F7-260A-F4245777BA2B}"/>
+              </a:ext>
+            </a:extLst>
+          </p:cNvPr>
+          <p:cNvSpPr>
+            <a:spLocks noGrp="1"/>
+          </p:cNvSpPr>
+          <p:nvPr>
+            <p:ph idx="1"/>
+          </p:nvPr>
+        </p:nvSpPr>
+        <p:spPr/>
+        <p:txBody>
+          <a:bodyPr/>
+          <a:lstStyle/>
+          <a:p>
+            <a:r>
+              <a:rPr lang="fr-FR" dirty="0"/>
+              <a:t>Recherche d’informations</a:t>
+            </a:r>
+          </a:p>
+          <a:p>
+            <a:r>
+              <a:rPr lang="fr-FR" dirty="0"/>
+              <a:t>Développement des livrables</a:t>
+            </a:r>
+          </a:p>
+          <a:p>
+            <a:r>
+              <a:rPr lang="fr-FR" dirty="0"/>
+              <a:t>Tests du site / ajout du responsive et version anglaise</a:t>
+            </a:r>
+          </a:p>
+          <a:p>
+            <a:endParaRPr lang="fr-FR" dirty="0"/>
+          </a:p>
+        </p:txBody>
+      </p:sp>
+    </p:spTree>
+    <p:extLst>
+      <p:ext uri="{BB962C8B-B14F-4D97-AF65-F5344CB8AC3E}">
+        <p14:creationId xmlns:p14="http://schemas.microsoft.com/office/powerpoint/2010/main" val="3336756205"/>
+      </p:ext>
+    </p:extLst>
+  </p:cSld>
+  <p:clrMapOvr>
+    <a:masterClrMapping/>
+  </p:clrMapOvr>
+</p:sld>
+</file>
+
+<file path=ppt/slides/slide4.xml><?xml version="1.0" encoding="utf-8"?>
+<p:sld xmlns:a="http://schemas.openxmlformats.org/drawingml/2006/main" xmlns:r="http://schemas.openxmlformats.org/officeDocument/2006/relationships" xmlns:p="http://schemas.openxmlformats.org/presentationml/2006/main">
+  <p:cSld>
+    <p:spTree>
+      <p:nvGrpSpPr>
+        <p:cNvPr id="1" name=""/>
+        <p:cNvGrpSpPr/>
+        <p:nvPr/>
+      </p:nvGrpSpPr>
+      <p:grpSpPr>
+        <a:xfrm>
+          <a:off x="0" y="0"/>
+          <a:ext cx="0" cy="0"/>
+          <a:chOff x="0" y="0"/>
+          <a:chExt cx="0" cy="0"/>
+        </a:xfrm>
+      </p:grpSpPr>
+      <p:sp>
+        <p:nvSpPr>
+          <p:cNvPr id="2" name="Titre 1">
+            <a:extLst>
+              <a:ext uri="{FF2B5EF4-FFF2-40B4-BE49-F238E27FC236}">
                 <a16:creationId xmlns:a16="http://schemas.microsoft.com/office/drawing/2014/main" id="{8BE62005-A33E-F94A-9CF0-F0777EBE4650}"/>
               </a:ext>
             </a:extLst>
@@ -4056,7 +4181,7 @@
           <a:p>
             <a:r>
               <a:rPr lang="fr-FR" dirty="0"/>
-              <a:t>Logo et bannière</a:t>
+              <a:t>Chartre graphique</a:t>
             </a:r>
           </a:p>
         </p:txBody>
